--- a/FinalPresentation_polya.pptx
+++ b/FinalPresentation_polya.pptx
@@ -7,22 +7,21 @@
   <p:sldIdLst>
     <p:sldId id="276" r:id="rId2"/>
     <p:sldId id="256" r:id="rId3"/>
-    <p:sldId id="270" r:id="rId4"/>
+    <p:sldId id="263" r:id="rId4"/>
     <p:sldId id="257" r:id="rId5"/>
-    <p:sldId id="263" r:id="rId6"/>
-    <p:sldId id="262" r:id="rId7"/>
-    <p:sldId id="271" r:id="rId8"/>
-    <p:sldId id="272" r:id="rId9"/>
-    <p:sldId id="273" r:id="rId10"/>
-    <p:sldId id="274" r:id="rId11"/>
-    <p:sldId id="275" r:id="rId12"/>
-    <p:sldId id="261" r:id="rId13"/>
-    <p:sldId id="264" r:id="rId14"/>
-    <p:sldId id="265" r:id="rId15"/>
-    <p:sldId id="266" r:id="rId16"/>
-    <p:sldId id="267" r:id="rId17"/>
-    <p:sldId id="268" r:id="rId18"/>
-    <p:sldId id="269" r:id="rId19"/>
+    <p:sldId id="262" r:id="rId6"/>
+    <p:sldId id="272" r:id="rId7"/>
+    <p:sldId id="273" r:id="rId8"/>
+    <p:sldId id="274" r:id="rId9"/>
+    <p:sldId id="275" r:id="rId10"/>
+    <p:sldId id="261" r:id="rId11"/>
+    <p:sldId id="264" r:id="rId12"/>
+    <p:sldId id="265" r:id="rId13"/>
+    <p:sldId id="266" r:id="rId14"/>
+    <p:sldId id="267" r:id="rId15"/>
+    <p:sldId id="268" r:id="rId16"/>
+    <p:sldId id="269" r:id="rId17"/>
+    <p:sldId id="277" r:id="rId18"/>
   </p:sldIdLst>
   <p:sldSz cx="9144000" cy="6858000" type="screen4x3"/>
   <p:notesSz cx="6858000" cy="9144000"/>
@@ -121,6 +120,11 @@
       </a:defRPr>
     </a:lvl9pPr>
   </p:defaultTextStyle>
+  <p:extLst>
+    <p:ext uri="{EFAFB233-063F-42B5-8137-9DF3F51BA10A}">
+      <p15:sldGuideLst xmlns:p15="http://schemas.microsoft.com/office/powerpoint/2012/main"/>
+    </p:ext>
+  </p:extLst>
 </p:presentation>
 </file>
 
@@ -255,7 +259,7 @@
           <a:p>
             <a:fld id="{7EC6BA25-184C-42C8-9748-E461983FD130}" type="datetimeFigureOut">
               <a:rPr lang="en-US" smtClean="0"/>
-              <a:t>12/7/2014</a:t>
+              <a:t>12/8/2014</a:t>
             </a:fld>
             <a:endParaRPr lang="en-US"/>
           </a:p>
@@ -425,7 +429,7 @@
           <a:p>
             <a:fld id="{7EC6BA25-184C-42C8-9748-E461983FD130}" type="datetimeFigureOut">
               <a:rPr lang="en-US" smtClean="0"/>
-              <a:t>12/7/2014</a:t>
+              <a:t>12/8/2014</a:t>
             </a:fld>
             <a:endParaRPr lang="en-US"/>
           </a:p>
@@ -605,7 +609,7 @@
           <a:p>
             <a:fld id="{7EC6BA25-184C-42C8-9748-E461983FD130}" type="datetimeFigureOut">
               <a:rPr lang="en-US" smtClean="0"/>
-              <a:t>12/7/2014</a:t>
+              <a:t>12/8/2014</a:t>
             </a:fld>
             <a:endParaRPr lang="en-US"/>
           </a:p>
@@ -775,7 +779,7 @@
           <a:p>
             <a:fld id="{7EC6BA25-184C-42C8-9748-E461983FD130}" type="datetimeFigureOut">
               <a:rPr lang="en-US" smtClean="0"/>
-              <a:t>12/7/2014</a:t>
+              <a:t>12/8/2014</a:t>
             </a:fld>
             <a:endParaRPr lang="en-US"/>
           </a:p>
@@ -1019,7 +1023,7 @@
           <a:p>
             <a:fld id="{7EC6BA25-184C-42C8-9748-E461983FD130}" type="datetimeFigureOut">
               <a:rPr lang="en-US" smtClean="0"/>
-              <a:t>12/7/2014</a:t>
+              <a:t>12/8/2014</a:t>
             </a:fld>
             <a:endParaRPr lang="en-US"/>
           </a:p>
@@ -1251,7 +1255,7 @@
           <a:p>
             <a:fld id="{7EC6BA25-184C-42C8-9748-E461983FD130}" type="datetimeFigureOut">
               <a:rPr lang="en-US" smtClean="0"/>
-              <a:t>12/7/2014</a:t>
+              <a:t>12/8/2014</a:t>
             </a:fld>
             <a:endParaRPr lang="en-US"/>
           </a:p>
@@ -1618,7 +1622,7 @@
           <a:p>
             <a:fld id="{7EC6BA25-184C-42C8-9748-E461983FD130}" type="datetimeFigureOut">
               <a:rPr lang="en-US" smtClean="0"/>
-              <a:t>12/7/2014</a:t>
+              <a:t>12/8/2014</a:t>
             </a:fld>
             <a:endParaRPr lang="en-US"/>
           </a:p>
@@ -1736,7 +1740,7 @@
           <a:p>
             <a:fld id="{7EC6BA25-184C-42C8-9748-E461983FD130}" type="datetimeFigureOut">
               <a:rPr lang="en-US" smtClean="0"/>
-              <a:t>12/7/2014</a:t>
+              <a:t>12/8/2014</a:t>
             </a:fld>
             <a:endParaRPr lang="en-US"/>
           </a:p>
@@ -1831,7 +1835,7 @@
           <a:p>
             <a:fld id="{7EC6BA25-184C-42C8-9748-E461983FD130}" type="datetimeFigureOut">
               <a:rPr lang="en-US" smtClean="0"/>
-              <a:t>12/7/2014</a:t>
+              <a:t>12/8/2014</a:t>
             </a:fld>
             <a:endParaRPr lang="en-US"/>
           </a:p>
@@ -2108,7 +2112,7 @@
           <a:p>
             <a:fld id="{7EC6BA25-184C-42C8-9748-E461983FD130}" type="datetimeFigureOut">
               <a:rPr lang="en-US" smtClean="0"/>
-              <a:t>12/7/2014</a:t>
+              <a:t>12/8/2014</a:t>
             </a:fld>
             <a:endParaRPr lang="en-US"/>
           </a:p>
@@ -2365,7 +2369,7 @@
           <a:p>
             <a:fld id="{7EC6BA25-184C-42C8-9748-E461983FD130}" type="datetimeFigureOut">
               <a:rPr lang="en-US" smtClean="0"/>
-              <a:t>12/7/2014</a:t>
+              <a:t>12/8/2014</a:t>
             </a:fld>
             <a:endParaRPr lang="en-US"/>
           </a:p>
@@ -2578,7 +2582,7 @@
           <a:p>
             <a:fld id="{7EC6BA25-184C-42C8-9748-E461983FD130}" type="datetimeFigureOut">
               <a:rPr lang="en-US" smtClean="0"/>
-              <a:t>12/7/2014</a:t>
+              <a:t>12/8/2014</a:t>
             </a:fld>
             <a:endParaRPr lang="en-US"/>
           </a:p>
@@ -2983,6 +2987,36 @@
           <a:chExt cx="0" cy="0"/>
         </a:xfrm>
       </p:grpSpPr>
+      <p:pic>
+        <p:nvPicPr>
+          <p:cNvPr id="4" name="Content Placeholder 3"/>
+          <p:cNvPicPr>
+            <a:picLocks noChangeAspect="1"/>
+          </p:cNvPicPr>
+          <p:nvPr/>
+        </p:nvPicPr>
+        <p:blipFill>
+          <a:blip r:embed="rId2">
+            <a:extLst>
+              <a:ext uri="{28A0092B-C50C-407E-A947-70E740481C1C}">
+                <a14:useLocalDpi xmlns:a14="http://schemas.microsoft.com/office/drawing/2010/main" val="0"/>
+              </a:ext>
+            </a:extLst>
+          </a:blip>
+          <a:stretch>
+            <a:fillRect/>
+          </a:stretch>
+        </p:blipFill>
+        <p:spPr>
+          <a:xfrm>
+            <a:off x="1215571" y="493645"/>
+            <a:ext cx="6785697" cy="5169120"/>
+          </a:xfrm>
+          <a:prstGeom prst="rect">
+            <a:avLst/>
+          </a:prstGeom>
+        </p:spPr>
+      </p:pic>
       <p:sp>
         <p:nvSpPr>
           <p:cNvPr id="2" name="Title 1"/>
@@ -3039,7 +3073,29 @@
           <a:bodyPr/>
           <a:lstStyle/>
           <a:p>
-            <a:endParaRPr lang="en-US" dirty="0"/>
+            <a:r>
+              <a:rPr lang="en-US" dirty="0" err="1" smtClean="0"/>
+              <a:t>Md</a:t>
+            </a:r>
+            <a:r>
+              <a:rPr lang="en-US" dirty="0" smtClean="0"/>
+              <a:t> </a:t>
+            </a:r>
+            <a:r>
+              <a:rPr lang="en-US" dirty="0" err="1" smtClean="0"/>
+              <a:t>Amran</a:t>
+            </a:r>
+            <a:r>
+              <a:rPr lang="en-US" dirty="0" smtClean="0"/>
+              <a:t> Siddiqui</a:t>
+            </a:r>
+          </a:p>
+          <a:p>
+            <a:r>
+              <a:rPr lang="en-US" dirty="0" smtClean="0"/>
+              <a:t>Tadesse Zemicheal</a:t>
+            </a:r>
+            <a:endParaRPr lang="en-US" dirty="0" smtClean="0"/>
           </a:p>
         </p:txBody>
       </p:sp>
@@ -3090,29 +3146,41 @@
             <p:ph type="title"/>
           </p:nvPr>
         </p:nvSpPr>
-        <p:spPr/>
-        <p:txBody>
-          <a:bodyPr/>
+        <p:spPr>
+          <a:xfrm>
+            <a:off x="367393" y="328375"/>
+            <a:ext cx="7886700" cy="563787"/>
+          </a:xfrm>
+        </p:spPr>
+        <p:txBody>
+          <a:bodyPr>
+            <a:normAutofit fontScale="90000"/>
+          </a:bodyPr>
           <a:lstStyle/>
           <a:p>
             <a:pPr algn="ctr"/>
             <a:r>
               <a:rPr lang="en-US" dirty="0" smtClean="0"/>
-              <a:t>Maximum Likelihood Estimation</a:t>
-            </a:r>
+              <a:t>Experimental results</a:t>
+            </a:r>
+            <a:r>
+              <a:rPr lang="en-US" dirty="0" smtClean="0"/>
+              <a:t/>
+            </a:r>
+            <a:br>
+              <a:rPr lang="en-US" dirty="0" smtClean="0"/>
+            </a:br>
             <a:endParaRPr lang="en-US" dirty="0"/>
           </a:p>
         </p:txBody>
       </p:sp>
       <p:pic>
         <p:nvPicPr>
-          <p:cNvPr id="4" name="Content Placeholder 3" descr="Screen Clipping"/>
+          <p:cNvPr id="4" name="Picture 3" descr="Screen Clipping"/>
           <p:cNvPicPr>
-            <a:picLocks noGrp="1" noChangeAspect="1"/>
+            <a:picLocks noChangeAspect="1"/>
           </p:cNvPicPr>
-          <p:nvPr>
-            <p:ph idx="1"/>
-          </p:nvPr>
+          <p:nvPr/>
         </p:nvPicPr>
         <p:blipFill>
           <a:blip r:embed="rId2">
@@ -3128,160 +3196,52 @@
         </p:blipFill>
         <p:spPr>
           <a:xfrm>
-            <a:off x="2350586" y="4385850"/>
-            <a:ext cx="4193433" cy="1970035"/>
-          </a:xfrm>
-        </p:spPr>
-      </p:pic>
-      <p:pic>
-        <p:nvPicPr>
-          <p:cNvPr id="5" name="Picture 4" descr="Screen Clipping"/>
-          <p:cNvPicPr>
-            <a:picLocks noChangeAspect="1"/>
-          </p:cNvPicPr>
-          <p:nvPr/>
-        </p:nvPicPr>
-        <p:blipFill>
-          <a:blip r:embed="rId3">
-            <a:extLst>
-              <a:ext uri="{28A0092B-C50C-407E-A947-70E740481C1C}">
-                <a14:useLocalDpi xmlns:a14="http://schemas.microsoft.com/office/drawing/2010/main" val="0"/>
-              </a:ext>
-            </a:extLst>
-          </a:blip>
-          <a:stretch>
-            <a:fillRect/>
-          </a:stretch>
-        </p:blipFill>
-        <p:spPr>
-          <a:xfrm>
-            <a:off x="424149" y="1690689"/>
-            <a:ext cx="8295701" cy="812508"/>
+            <a:off x="505750" y="1590315"/>
+            <a:ext cx="8428167" cy="5016547"/>
           </a:xfrm>
           <a:prstGeom prst="rect">
             <a:avLst/>
           </a:prstGeom>
         </p:spPr>
       </p:pic>
-      <mc:AlternateContent xmlns:mc="http://schemas.openxmlformats.org/markup-compatibility/2006">
-        <mc:Choice xmlns:a14="http://schemas.microsoft.com/office/drawing/2010/main" Requires="a14">
-          <p:sp>
-            <p:nvSpPr>
-              <p:cNvPr id="6" name="TextBox 5"/>
-              <p:cNvSpPr txBox="1"/>
-              <p:nvPr/>
-            </p:nvSpPr>
-            <p:spPr>
-              <a:xfrm>
-                <a:off x="506776" y="2963537"/>
-                <a:ext cx="8008574" cy="707886"/>
-              </a:xfrm>
-              <a:prstGeom prst="rect">
-                <a:avLst/>
-              </a:prstGeom>
-              <a:noFill/>
-            </p:spPr>
-            <p:txBody>
-              <a:bodyPr wrap="square" rtlCol="0">
-                <a:spAutoFit/>
-              </a:bodyPr>
-              <a:lstStyle/>
-              <a:p>
-                <a:r>
-                  <a:rPr lang="en-US" sz="2000" dirty="0" smtClean="0"/>
-                  <a:t>Since, putting the above derivative equal to zero we can not get a closed form solution for </a:t>
-                </a:r>
-                <a14:m>
-                  <m:oMath xmlns:m="http://schemas.openxmlformats.org/officeDocument/2006/math">
-                    <m:sSub>
-                      <m:sSubPr>
-                        <m:ctrlPr>
-                          <a:rPr lang="en-US" sz="2000" i="1" smtClean="0">
-                            <a:latin typeface="Cambria Math" panose="02040503050406030204" pitchFamily="18" charset="0"/>
-                            <a:ea typeface="Cambria Math" panose="02040503050406030204" pitchFamily="18" charset="0"/>
-                          </a:rPr>
-                        </m:ctrlPr>
-                      </m:sSubPr>
-                      <m:e>
-                        <m:r>
-                          <a:rPr lang="en-US" sz="2000" i="1" smtClean="0">
-                            <a:latin typeface="Cambria Math" panose="02040503050406030204" pitchFamily="18" charset="0"/>
-                            <a:ea typeface="Cambria Math" panose="02040503050406030204" pitchFamily="18" charset="0"/>
-                          </a:rPr>
-                          <m:t>𝛼</m:t>
-                        </m:r>
-                      </m:e>
-                      <m:sub>
-                        <m:r>
-                          <a:rPr lang="en-US" sz="2000" b="0" i="1" smtClean="0">
-                            <a:latin typeface="Cambria Math" panose="02040503050406030204" pitchFamily="18" charset="0"/>
-                            <a:ea typeface="Cambria Math" panose="02040503050406030204" pitchFamily="18" charset="0"/>
-                          </a:rPr>
-                          <m:t>𝑘</m:t>
-                        </m:r>
-                      </m:sub>
-                    </m:sSub>
-                    <m:r>
-                      <a:rPr lang="en-US" sz="2000" b="0" i="1" smtClean="0">
-                        <a:latin typeface="Cambria Math" panose="02040503050406030204" pitchFamily="18" charset="0"/>
-                        <a:ea typeface="Cambria Math" panose="02040503050406030204" pitchFamily="18" charset="0"/>
-                      </a:rPr>
-                      <m:t>,</m:t>
-                    </m:r>
-                  </m:oMath>
-                </a14:m>
-                <a:r>
-                  <a:rPr lang="en-US" sz="2000" dirty="0" smtClean="0"/>
-                  <a:t> we used the following fixed point iteration:</a:t>
-                </a:r>
-                <a:endParaRPr lang="en-US" sz="2000" dirty="0"/>
-              </a:p>
-            </p:txBody>
-          </p:sp>
-        </mc:Choice>
-        <mc:Fallback>
-          <p:sp>
-            <p:nvSpPr>
-              <p:cNvPr id="6" name="TextBox 5"/>
-              <p:cNvSpPr txBox="1">
-                <a:spLocks noRot="1" noChangeAspect="1" noMove="1" noResize="1" noEditPoints="1" noAdjustHandles="1" noChangeArrowheads="1" noChangeShapeType="1" noTextEdit="1"/>
-              </p:cNvSpPr>
-              <p:nvPr/>
-            </p:nvSpPr>
-            <p:spPr>
-              <a:xfrm>
-                <a:off x="506776" y="2963537"/>
-                <a:ext cx="8008574" cy="707886"/>
-              </a:xfrm>
-              <a:prstGeom prst="rect">
-                <a:avLst/>
-              </a:prstGeom>
-              <a:blipFill rotWithShape="0">
-                <a:blip r:embed="rId4"/>
-                <a:stretch>
-                  <a:fillRect l="-761" t="-4310" b="-14655"/>
-                </a:stretch>
-              </a:blipFill>
-            </p:spPr>
-            <p:txBody>
-              <a:bodyPr/>
-              <a:lstStyle/>
-              <a:p>
-                <a:r>
-                  <a:rPr lang="en-US">
-                    <a:noFill/>
-                  </a:rPr>
-                  <a:t> </a:t>
-                </a:r>
-              </a:p>
-            </p:txBody>
-          </p:sp>
-        </mc:Fallback>
-      </mc:AlternateContent>
+      <p:sp>
+        <p:nvSpPr>
+          <p:cNvPr id="3" name="TextBox 2"/>
+          <p:cNvSpPr txBox="1"/>
+          <p:nvPr/>
+        </p:nvSpPr>
+        <p:spPr>
+          <a:xfrm>
+            <a:off x="621661" y="1220983"/>
+            <a:ext cx="3258136" cy="369332"/>
+          </a:xfrm>
+          <a:prstGeom prst="rect">
+            <a:avLst/>
+          </a:prstGeom>
+          <a:noFill/>
+        </p:spPr>
+        <p:txBody>
+          <a:bodyPr wrap="none" rtlCol="0">
+            <a:spAutoFit/>
+          </a:bodyPr>
+          <a:lstStyle/>
+          <a:p>
+            <a:pPr marL="285750" indent="-285750">
+              <a:buFont typeface="Arial" panose="020B0604020202020204" pitchFamily="34" charset="0"/>
+              <a:buChar char="•"/>
+            </a:pPr>
+            <a:r>
+              <a:rPr lang="en-US" dirty="0" smtClean="0"/>
+              <a:t>For 200 Monte Carlo iteration</a:t>
+            </a:r>
+            <a:endParaRPr lang="en-US" dirty="0"/>
+          </a:p>
+        </p:txBody>
+      </p:sp>
     </p:spTree>
     <p:extLst>
       <p:ext uri="{BB962C8B-B14F-4D97-AF65-F5344CB8AC3E}">
-        <p14:creationId xmlns:p14="http://schemas.microsoft.com/office/powerpoint/2010/main" val="716738049"/>
+        <p14:creationId xmlns:p14="http://schemas.microsoft.com/office/powerpoint/2010/main" val="3826721586"/>
       </p:ext>
     </p:extLst>
   </p:cSld>
@@ -3315,39 +3275,13 @@
           <a:chExt cx="0" cy="0"/>
         </a:xfrm>
       </p:grpSpPr>
-      <p:sp>
-        <p:nvSpPr>
-          <p:cNvPr id="2" name="Title 1"/>
-          <p:cNvSpPr>
-            <a:spLocks noGrp="1"/>
-          </p:cNvSpPr>
-          <p:nvPr>
-            <p:ph type="title"/>
-          </p:nvPr>
-        </p:nvSpPr>
-        <p:spPr/>
-        <p:txBody>
-          <a:bodyPr/>
-          <a:lstStyle/>
-          <a:p>
-            <a:pPr algn="ctr"/>
-            <a:r>
-              <a:rPr lang="en-US" dirty="0" smtClean="0"/>
-              <a:t>Method of Moments (MOM)</a:t>
-            </a:r>
-            <a:endParaRPr lang="en-US" dirty="0"/>
-          </a:p>
-        </p:txBody>
-      </p:sp>
       <p:pic>
         <p:nvPicPr>
-          <p:cNvPr id="4" name="Content Placeholder 3" descr="Screen Clipping"/>
+          <p:cNvPr id="5" name="Picture 4" descr="Screen Clipping"/>
           <p:cNvPicPr>
-            <a:picLocks noGrp="1" noChangeAspect="1"/>
+            <a:picLocks noChangeAspect="1"/>
           </p:cNvPicPr>
-          <p:nvPr>
-            <p:ph idx="1"/>
-          </p:nvPr>
+          <p:nvPr/>
         </p:nvPicPr>
         <p:blipFill>
           <a:blip r:embed="rId2">
@@ -3363,35 +3297,8 @@
         </p:blipFill>
         <p:spPr>
           <a:xfrm>
-            <a:off x="5926689" y="2054112"/>
-            <a:ext cx="1796135" cy="1830566"/>
-          </a:xfrm>
-        </p:spPr>
-      </p:pic>
-      <p:pic>
-        <p:nvPicPr>
-          <p:cNvPr id="5" name="Picture 4" descr="Screen Clipping"/>
-          <p:cNvPicPr>
-            <a:picLocks noChangeAspect="1"/>
-          </p:cNvPicPr>
-          <p:nvPr/>
-        </p:nvPicPr>
-        <p:blipFill>
-          <a:blip r:embed="rId3">
-            <a:extLst>
-              <a:ext uri="{28A0092B-C50C-407E-A947-70E740481C1C}">
-                <a14:useLocalDpi xmlns:a14="http://schemas.microsoft.com/office/drawing/2010/main" val="0"/>
-              </a:ext>
-            </a:extLst>
-          </a:blip>
-          <a:stretch>
-            <a:fillRect/>
-          </a:stretch>
-        </p:blipFill>
-        <p:spPr>
-          <a:xfrm>
-            <a:off x="724343" y="2054112"/>
-            <a:ext cx="3826313" cy="1757270"/>
+            <a:off x="515154" y="1287888"/>
+            <a:ext cx="7984903" cy="4835702"/>
           </a:xfrm>
           <a:prstGeom prst="rect">
             <a:avLst/>
@@ -3400,14 +3307,14 @@
       </p:pic>
       <p:sp>
         <p:nvSpPr>
-          <p:cNvPr id="6" name="TextBox 5"/>
+          <p:cNvPr id="4" name="TextBox 3"/>
           <p:cNvSpPr txBox="1"/>
           <p:nvPr/>
         </p:nvSpPr>
         <p:spPr>
           <a:xfrm>
-            <a:off x="336476" y="1690689"/>
-            <a:ext cx="3783831" cy="369332"/>
+            <a:off x="930754" y="918556"/>
+            <a:ext cx="3258136" cy="369332"/>
           </a:xfrm>
           <a:prstGeom prst="rect">
             <a:avLst/>
@@ -3415,164 +3322,27 @@
           <a:noFill/>
         </p:spPr>
         <p:txBody>
-          <a:bodyPr wrap="square" rtlCol="0">
+          <a:bodyPr wrap="none" rtlCol="0">
             <a:spAutoFit/>
           </a:bodyPr>
           <a:lstStyle/>
           <a:p>
-            <a:r>
-              <a:rPr lang="en-US" b="1" dirty="0" smtClean="0"/>
-              <a:t>Population moments (Beta-Binomial):</a:t>
-            </a:r>
-            <a:endParaRPr lang="en-US" b="1" dirty="0"/>
-          </a:p>
-        </p:txBody>
-      </p:sp>
-      <p:sp>
-        <p:nvSpPr>
-          <p:cNvPr id="7" name="TextBox 6"/>
-          <p:cNvSpPr txBox="1"/>
-          <p:nvPr/>
-        </p:nvSpPr>
-        <p:spPr>
-          <a:xfrm>
-            <a:off x="4990642" y="1684780"/>
-            <a:ext cx="3084722" cy="369332"/>
-          </a:xfrm>
-          <a:prstGeom prst="rect">
-            <a:avLst/>
-          </a:prstGeom>
-          <a:noFill/>
-        </p:spPr>
-        <p:txBody>
-          <a:bodyPr wrap="square" rtlCol="0">
-            <a:spAutoFit/>
-          </a:bodyPr>
-          <a:lstStyle/>
-          <a:p>
-            <a:r>
-              <a:rPr lang="en-US" b="1" dirty="0" smtClean="0"/>
-              <a:t>Sample moments from data:</a:t>
-            </a:r>
-            <a:endParaRPr lang="en-US" b="1" dirty="0"/>
-          </a:p>
-        </p:txBody>
-      </p:sp>
-      <p:sp>
-        <p:nvSpPr>
-          <p:cNvPr id="8" name="TextBox 7"/>
-          <p:cNvSpPr txBox="1"/>
-          <p:nvPr/>
-        </p:nvSpPr>
-        <p:spPr>
-          <a:xfrm>
-            <a:off x="416163" y="4751314"/>
-            <a:ext cx="3452452" cy="923330"/>
-          </a:xfrm>
-          <a:prstGeom prst="rect">
-            <a:avLst/>
-          </a:prstGeom>
-          <a:noFill/>
-        </p:spPr>
-        <p:txBody>
-          <a:bodyPr wrap="square" rtlCol="0">
-            <a:spAutoFit/>
-          </a:bodyPr>
-          <a:lstStyle/>
-          <a:p>
-            <a:pPr algn="just"/>
-            <a:r>
-              <a:rPr lang="en-US" b="1" dirty="0" smtClean="0"/>
-              <a:t>Equating population moments and sample moments and solving for the parameters </a:t>
-            </a:r>
-            <a:r>
-              <a:rPr lang="el-GR" b="1" dirty="0" smtClean="0"/>
-              <a:t>α</a:t>
-            </a:r>
-            <a:r>
-              <a:rPr lang="en-US" b="1" dirty="0" smtClean="0"/>
-              <a:t> and </a:t>
-            </a:r>
-            <a:r>
-              <a:rPr lang="el-GR" b="1" dirty="0" smtClean="0"/>
-              <a:t>β</a:t>
-            </a:r>
-            <a:r>
-              <a:rPr lang="en-US" b="1" dirty="0" smtClean="0"/>
-              <a:t>:</a:t>
-            </a:r>
+            <a:pPr marL="285750" indent="-285750">
+              <a:buFont typeface="Arial" panose="020B0604020202020204" pitchFamily="34" charset="0"/>
+              <a:buChar char="•"/>
+            </a:pPr>
             <a:r>
               <a:rPr lang="en-US" dirty="0" smtClean="0"/>
-              <a:t> </a:t>
+              <a:t>For 200 Monte Carlo iteration</a:t>
             </a:r>
             <a:endParaRPr lang="en-US" dirty="0"/>
           </a:p>
         </p:txBody>
       </p:sp>
-      <p:pic>
-        <p:nvPicPr>
-          <p:cNvPr id="9" name="Picture 8" descr="Screen Clipping"/>
-          <p:cNvPicPr>
-            <a:picLocks noChangeAspect="1"/>
-          </p:cNvPicPr>
-          <p:nvPr/>
-        </p:nvPicPr>
-        <p:blipFill>
-          <a:blip r:embed="rId4">
-            <a:extLst>
-              <a:ext uri="{28A0092B-C50C-407E-A947-70E740481C1C}">
-                <a14:useLocalDpi xmlns:a14="http://schemas.microsoft.com/office/drawing/2010/main" val="0"/>
-              </a:ext>
-            </a:extLst>
-          </a:blip>
-          <a:stretch>
-            <a:fillRect/>
-          </a:stretch>
-        </p:blipFill>
-        <p:spPr>
-          <a:xfrm>
-            <a:off x="3868615" y="4225613"/>
-            <a:ext cx="4724543" cy="1034800"/>
-          </a:xfrm>
-          <a:prstGeom prst="rect">
-            <a:avLst/>
-          </a:prstGeom>
-        </p:spPr>
-      </p:pic>
-      <p:pic>
-        <p:nvPicPr>
-          <p:cNvPr id="10" name="Picture 9" descr="Screen Clipping"/>
-          <p:cNvPicPr>
-            <a:picLocks noChangeAspect="1"/>
-          </p:cNvPicPr>
-          <p:nvPr/>
-        </p:nvPicPr>
-        <p:blipFill>
-          <a:blip r:embed="rId5">
-            <a:extLst>
-              <a:ext uri="{28A0092B-C50C-407E-A947-70E740481C1C}">
-                <a14:useLocalDpi xmlns:a14="http://schemas.microsoft.com/office/drawing/2010/main" val="0"/>
-              </a:ext>
-            </a:extLst>
-          </a:blip>
-          <a:stretch>
-            <a:fillRect/>
-          </a:stretch>
-        </p:blipFill>
-        <p:spPr>
-          <a:xfrm>
-            <a:off x="3992279" y="5295853"/>
-            <a:ext cx="4523071" cy="1050453"/>
-          </a:xfrm>
-          <a:prstGeom prst="rect">
-            <a:avLst/>
-          </a:prstGeom>
-        </p:spPr>
-      </p:pic>
     </p:spTree>
     <p:extLst>
       <p:ext uri="{BB962C8B-B14F-4D97-AF65-F5344CB8AC3E}">
-        <p14:creationId xmlns:p14="http://schemas.microsoft.com/office/powerpoint/2010/main" val="463413360"/>
+        <p14:creationId xmlns:p14="http://schemas.microsoft.com/office/powerpoint/2010/main" val="3332283865"/>
       </p:ext>
     </p:extLst>
   </p:cSld>
@@ -3618,24 +3388,21 @@
         </p:nvSpPr>
         <p:spPr>
           <a:xfrm>
-            <a:off x="367393" y="328375"/>
-            <a:ext cx="7886700" cy="563787"/>
+            <a:off x="628650" y="365126"/>
+            <a:ext cx="7886700" cy="491217"/>
           </a:xfrm>
         </p:spPr>
         <p:txBody>
           <a:bodyPr>
-            <a:normAutofit fontScale="90000"/>
+            <a:noAutofit/>
           </a:bodyPr>
           <a:lstStyle/>
           <a:p>
             <a:r>
-              <a:rPr lang="en-US" dirty="0" smtClean="0"/>
-              <a:t>Result</a:t>
-            </a:r>
-            <a:br>
-              <a:rPr lang="en-US" dirty="0" smtClean="0"/>
-            </a:br>
-            <a:endParaRPr lang="en-US" dirty="0"/>
+              <a:rPr lang="en-US" sz="2400" dirty="0" smtClean="0"/>
+              <a:t>-Increasing number of examples</a:t>
+            </a:r>
+            <a:endParaRPr lang="en-US" sz="2400" dirty="0"/>
           </a:p>
         </p:txBody>
       </p:sp>
@@ -3661,8 +3428,8 @@
         </p:blipFill>
         <p:spPr>
           <a:xfrm>
-            <a:off x="145143" y="667192"/>
-            <a:ext cx="7046686" cy="5103814"/>
+            <a:off x="159657" y="1027908"/>
+            <a:ext cx="8236857" cy="5597864"/>
           </a:xfrm>
           <a:prstGeom prst="rect">
             <a:avLst/>
@@ -3672,7 +3439,7 @@
     </p:spTree>
     <p:extLst>
       <p:ext uri="{BB962C8B-B14F-4D97-AF65-F5344CB8AC3E}">
-        <p14:creationId xmlns:p14="http://schemas.microsoft.com/office/powerpoint/2010/main" val="3826721586"/>
+        <p14:creationId xmlns:p14="http://schemas.microsoft.com/office/powerpoint/2010/main" val="2540592440"/>
       </p:ext>
     </p:extLst>
   </p:cSld>
@@ -3706,28 +3473,9 @@
           <a:chExt cx="0" cy="0"/>
         </a:xfrm>
       </p:grpSpPr>
-      <p:sp>
-        <p:nvSpPr>
-          <p:cNvPr id="2" name="Title 1"/>
-          <p:cNvSpPr>
-            <a:spLocks noGrp="1"/>
-          </p:cNvSpPr>
-          <p:nvPr>
-            <p:ph type="title"/>
-          </p:nvPr>
-        </p:nvSpPr>
-        <p:spPr/>
-        <p:txBody>
-          <a:bodyPr/>
-          <a:lstStyle/>
-          <a:p>
-            <a:endParaRPr lang="en-US"/>
-          </a:p>
-        </p:txBody>
-      </p:sp>
       <p:pic>
         <p:nvPicPr>
-          <p:cNvPr id="5" name="Picture 4" descr="Screen Clipping"/>
+          <p:cNvPr id="4" name="Picture 3" descr="Screen Clipping"/>
           <p:cNvPicPr>
             <a:picLocks noChangeAspect="1"/>
           </p:cNvPicPr>
@@ -3747,18 +3495,47 @@
         </p:blipFill>
         <p:spPr>
           <a:xfrm>
-            <a:off x="500743" y="1690689"/>
-            <a:ext cx="7656285" cy="5516229"/>
+            <a:off x="849086" y="1473200"/>
+            <a:ext cx="7666264" cy="5145313"/>
           </a:xfrm>
           <a:prstGeom prst="rect">
             <a:avLst/>
           </a:prstGeom>
         </p:spPr>
       </p:pic>
+      <p:sp>
+        <p:nvSpPr>
+          <p:cNvPr id="3" name="TextBox 2"/>
+          <p:cNvSpPr txBox="1"/>
+          <p:nvPr/>
+        </p:nvSpPr>
+        <p:spPr>
+          <a:xfrm>
+            <a:off x="1468192" y="656823"/>
+            <a:ext cx="6683817" cy="369332"/>
+          </a:xfrm>
+          <a:prstGeom prst="rect">
+            <a:avLst/>
+          </a:prstGeom>
+          <a:noFill/>
+        </p:spPr>
+        <p:txBody>
+          <a:bodyPr wrap="none" rtlCol="0">
+            <a:spAutoFit/>
+          </a:bodyPr>
+          <a:lstStyle/>
+          <a:p>
+            <a:r>
+              <a:rPr lang="en-US" dirty="0" smtClean="0"/>
+              <a:t>-MSE decreases for all estimators as we increase number of examples</a:t>
+            </a:r>
+          </a:p>
+        </p:txBody>
+      </p:sp>
     </p:spTree>
     <p:extLst>
       <p:ext uri="{BB962C8B-B14F-4D97-AF65-F5344CB8AC3E}">
-        <p14:creationId xmlns:p14="http://schemas.microsoft.com/office/powerpoint/2010/main" val="3332283865"/>
+        <p14:creationId xmlns:p14="http://schemas.microsoft.com/office/powerpoint/2010/main" val="1707324193"/>
       </p:ext>
     </p:extLst>
   </p:cSld>
@@ -3792,32 +3569,6 @@
           <a:chExt cx="0" cy="0"/>
         </a:xfrm>
       </p:grpSpPr>
-      <p:sp>
-        <p:nvSpPr>
-          <p:cNvPr id="2" name="Title 1"/>
-          <p:cNvSpPr>
-            <a:spLocks noGrp="1"/>
-          </p:cNvSpPr>
-          <p:nvPr>
-            <p:ph type="title"/>
-          </p:nvPr>
-        </p:nvSpPr>
-        <p:spPr>
-          <a:xfrm>
-            <a:off x="628650" y="365126"/>
-            <a:ext cx="7886700" cy="491217"/>
-          </a:xfrm>
-        </p:spPr>
-        <p:txBody>
-          <a:bodyPr>
-            <a:normAutofit fontScale="90000"/>
-          </a:bodyPr>
-          <a:lstStyle/>
-          <a:p>
-            <a:endParaRPr lang="en-US" dirty="0"/>
-          </a:p>
-        </p:txBody>
-      </p:sp>
       <p:pic>
         <p:nvPicPr>
           <p:cNvPr id="4" name="Picture 3" descr="Screen Clipping"/>
@@ -3840,18 +3591,48 @@
         </p:blipFill>
         <p:spPr>
           <a:xfrm>
-            <a:off x="159657" y="1027908"/>
-            <a:ext cx="8236857" cy="5597864"/>
+            <a:off x="260030" y="1077669"/>
+            <a:ext cx="8394573" cy="5067211"/>
           </a:xfrm>
           <a:prstGeom prst="rect">
             <a:avLst/>
           </a:prstGeom>
         </p:spPr>
       </p:pic>
+      <p:sp>
+        <p:nvSpPr>
+          <p:cNvPr id="5" name="TextBox 4"/>
+          <p:cNvSpPr txBox="1"/>
+          <p:nvPr/>
+        </p:nvSpPr>
+        <p:spPr>
+          <a:xfrm>
+            <a:off x="1030310" y="708337"/>
+            <a:ext cx="4262834" cy="369332"/>
+          </a:xfrm>
+          <a:prstGeom prst="rect">
+            <a:avLst/>
+          </a:prstGeom>
+          <a:noFill/>
+        </p:spPr>
+        <p:txBody>
+          <a:bodyPr wrap="none" rtlCol="0">
+            <a:spAutoFit/>
+          </a:bodyPr>
+          <a:lstStyle/>
+          <a:p>
+            <a:r>
+              <a:rPr lang="en-US" dirty="0" smtClean="0"/>
+              <a:t>-Increasing Monte Carlo iteration i.e. 1000</a:t>
+            </a:r>
+            <a:endParaRPr lang="en-US" dirty="0"/>
+          </a:p>
+        </p:txBody>
+      </p:sp>
     </p:spTree>
     <p:extLst>
       <p:ext uri="{BB962C8B-B14F-4D97-AF65-F5344CB8AC3E}">
-        <p14:creationId xmlns:p14="http://schemas.microsoft.com/office/powerpoint/2010/main" val="2540592440"/>
+        <p14:creationId xmlns:p14="http://schemas.microsoft.com/office/powerpoint/2010/main" val="1045912200"/>
       </p:ext>
     </p:extLst>
   </p:cSld>
@@ -3885,37 +3666,15 @@
           <a:chExt cx="0" cy="0"/>
         </a:xfrm>
       </p:grpSpPr>
-      <p:sp>
-        <p:nvSpPr>
-          <p:cNvPr id="2" name="Title 1"/>
-          <p:cNvSpPr>
-            <a:spLocks noGrp="1"/>
-          </p:cNvSpPr>
-          <p:nvPr>
-            <p:ph type="title"/>
-          </p:nvPr>
-        </p:nvSpPr>
-        <p:spPr>
-          <a:xfrm>
-            <a:off x="628650" y="365126"/>
-            <a:ext cx="7886700" cy="832303"/>
-          </a:xfrm>
-        </p:spPr>
-        <p:txBody>
-          <a:bodyPr/>
-          <a:lstStyle/>
-          <a:p>
-            <a:endParaRPr lang="en-US" dirty="0"/>
-          </a:p>
-        </p:txBody>
-      </p:sp>
       <p:pic>
         <p:nvPicPr>
-          <p:cNvPr id="4" name="Picture 3" descr="Screen Clipping"/>
+          <p:cNvPr id="4" name="Content Placeholder 3" descr="Screen Clipping"/>
           <p:cNvPicPr>
-            <a:picLocks noChangeAspect="1"/>
+            <a:picLocks noGrp="1" noChangeAspect="1"/>
           </p:cNvPicPr>
-          <p:nvPr/>
+          <p:nvPr>
+            <p:ph idx="1"/>
+          </p:nvPr>
         </p:nvPicPr>
         <p:blipFill>
           <a:blip r:embed="rId2">
@@ -3931,18 +3690,44 @@
         </p:blipFill>
         <p:spPr>
           <a:xfrm>
-            <a:off x="849086" y="1473200"/>
-            <a:ext cx="7666264" cy="5145313"/>
+            <a:off x="421682" y="978794"/>
+            <a:ext cx="8286852" cy="5215944"/>
+          </a:xfrm>
+        </p:spPr>
+      </p:pic>
+      <p:sp>
+        <p:nvSpPr>
+          <p:cNvPr id="3" name="Rectangle 2"/>
+          <p:cNvSpPr/>
+          <p:nvPr/>
+        </p:nvSpPr>
+        <p:spPr>
+          <a:xfrm>
+            <a:off x="681147" y="609462"/>
+            <a:ext cx="4072590" cy="369332"/>
           </a:xfrm>
           <a:prstGeom prst="rect">
             <a:avLst/>
           </a:prstGeom>
         </p:spPr>
-      </p:pic>
+        <p:txBody>
+          <a:bodyPr wrap="none">
+            <a:spAutoFit/>
+          </a:bodyPr>
+          <a:lstStyle/>
+          <a:p>
+            <a:r>
+              <a:rPr lang="en-US" dirty="0"/>
+              <a:t>Increasing Monte Carlo iteration i.e. 1000</a:t>
+            </a:r>
+            <a:endParaRPr lang="en-US" dirty="0"/>
+          </a:p>
+        </p:txBody>
+      </p:sp>
     </p:spTree>
     <p:extLst>
       <p:ext uri="{BB962C8B-B14F-4D97-AF65-F5344CB8AC3E}">
-        <p14:creationId xmlns:p14="http://schemas.microsoft.com/office/powerpoint/2010/main" val="1707324193"/>
+        <p14:creationId xmlns:p14="http://schemas.microsoft.com/office/powerpoint/2010/main" val="628751080"/>
       </p:ext>
     </p:extLst>
   </p:cSld>
@@ -3988,52 +3773,93 @@
         </p:nvSpPr>
         <p:spPr>
           <a:xfrm>
-            <a:off x="628650" y="365127"/>
-            <a:ext cx="7886700" cy="737960"/>
+            <a:off x="628650" y="365126"/>
+            <a:ext cx="7886700" cy="883103"/>
           </a:xfrm>
         </p:spPr>
         <p:txBody>
           <a:bodyPr/>
           <a:lstStyle/>
           <a:p>
+            <a:r>
+              <a:rPr lang="en-US" dirty="0" smtClean="0"/>
+              <a:t>observations</a:t>
+            </a:r>
             <a:endParaRPr lang="en-US" dirty="0"/>
           </a:p>
         </p:txBody>
       </p:sp>
-      <p:pic>
-        <p:nvPicPr>
-          <p:cNvPr id="4" name="Picture 3" descr="Screen Clipping"/>
-          <p:cNvPicPr>
-            <a:picLocks noChangeAspect="1"/>
-          </p:cNvPicPr>
-          <p:nvPr/>
-        </p:nvPicPr>
-        <p:blipFill>
-          <a:blip r:embed="rId2">
-            <a:extLst>
-              <a:ext uri="{28A0092B-C50C-407E-A947-70E740481C1C}">
-                <a14:useLocalDpi xmlns:a14="http://schemas.microsoft.com/office/drawing/2010/main" val="0"/>
-              </a:ext>
-            </a:extLst>
-          </a:blip>
-          <a:stretch>
-            <a:fillRect/>
-          </a:stretch>
-        </p:blipFill>
-        <p:spPr>
-          <a:xfrm>
-            <a:off x="478971" y="1676400"/>
-            <a:ext cx="8036379" cy="4992914"/>
-          </a:xfrm>
-          <a:prstGeom prst="rect">
-            <a:avLst/>
-          </a:prstGeom>
-        </p:spPr>
-      </p:pic>
+      <p:sp>
+        <p:nvSpPr>
+          <p:cNvPr id="3" name="Content Placeholder 2"/>
+          <p:cNvSpPr>
+            <a:spLocks noGrp="1"/>
+          </p:cNvSpPr>
+          <p:nvPr>
+            <p:ph idx="1"/>
+          </p:nvPr>
+        </p:nvSpPr>
+        <p:spPr/>
+        <p:txBody>
+          <a:bodyPr/>
+          <a:lstStyle/>
+          <a:p>
+            <a:r>
+              <a:rPr lang="en-US" dirty="0" smtClean="0"/>
+              <a:t>ML computationally expensive, takes hours to </a:t>
+            </a:r>
+            <a:r>
+              <a:rPr lang="en-US" dirty="0" smtClean="0"/>
+              <a:t>complete </a:t>
+            </a:r>
+            <a:endParaRPr lang="en-US" dirty="0" smtClean="0"/>
+          </a:p>
+          <a:p>
+            <a:r>
+              <a:rPr lang="en-US" dirty="0" smtClean="0"/>
+              <a:t>MOM computationally efficient</a:t>
+            </a:r>
+          </a:p>
+          <a:p>
+            <a:r>
+              <a:rPr lang="en-US" dirty="0" smtClean="0"/>
+              <a:t>ML is asymptotically efficient and approaches CRLB quicker than MOM.</a:t>
+            </a:r>
+          </a:p>
+          <a:p>
+            <a:r>
+              <a:rPr lang="en-US" dirty="0" smtClean="0"/>
+              <a:t>MSE tends to increase for large parameter sizes</a:t>
+            </a:r>
+            <a:r>
+              <a:rPr lang="en-US" dirty="0" smtClean="0"/>
+              <a:t>.</a:t>
+            </a:r>
+          </a:p>
+          <a:p>
+            <a:r>
+              <a:rPr lang="en-US" dirty="0" smtClean="0"/>
+              <a:t>Increasing number of examples decreases MSE</a:t>
+            </a:r>
+          </a:p>
+          <a:p>
+            <a:pPr marL="0" indent="0">
+              <a:buNone/>
+            </a:pPr>
+            <a:endParaRPr lang="en-US" dirty="0" smtClean="0"/>
+          </a:p>
+          <a:p>
+            <a:endParaRPr lang="en-US" dirty="0" smtClean="0"/>
+          </a:p>
+          <a:p>
+            <a:endParaRPr lang="en-US" dirty="0"/>
+          </a:p>
+        </p:txBody>
+      </p:sp>
     </p:spTree>
     <p:extLst>
       <p:ext uri="{BB962C8B-B14F-4D97-AF65-F5344CB8AC3E}">
-        <p14:creationId xmlns:p14="http://schemas.microsoft.com/office/powerpoint/2010/main" val="1045912200"/>
+        <p14:creationId xmlns:p14="http://schemas.microsoft.com/office/powerpoint/2010/main" val="2965941496"/>
       </p:ext>
     </p:extLst>
   </p:cSld>
@@ -4069,172 +3895,41 @@
       </p:grpSpPr>
       <p:sp>
         <p:nvSpPr>
-          <p:cNvPr id="2" name="Title 1"/>
-          <p:cNvSpPr>
-            <a:spLocks noGrp="1"/>
-          </p:cNvSpPr>
-          <p:nvPr>
-            <p:ph type="title"/>
-          </p:nvPr>
-        </p:nvSpPr>
-        <p:spPr>
-          <a:xfrm>
-            <a:off x="628650" y="365126"/>
-            <a:ext cx="7886700" cy="796017"/>
-          </a:xfrm>
-        </p:spPr>
-        <p:txBody>
-          <a:bodyPr/>
-          <a:lstStyle/>
-          <a:p>
-            <a:endParaRPr lang="en-US" dirty="0"/>
-          </a:p>
-        </p:txBody>
-      </p:sp>
-      <p:pic>
-        <p:nvPicPr>
-          <p:cNvPr id="4" name="Content Placeholder 3" descr="Screen Clipping"/>
-          <p:cNvPicPr>
-            <a:picLocks noGrp="1" noChangeAspect="1"/>
-          </p:cNvPicPr>
+          <p:cNvPr id="3" name="Content Placeholder 2"/>
+          <p:cNvSpPr>
+            <a:spLocks noGrp="1"/>
+          </p:cNvSpPr>
           <p:nvPr>
             <p:ph idx="1"/>
           </p:nvPr>
-        </p:nvPicPr>
-        <p:blipFill>
-          <a:blip r:embed="rId2">
-            <a:extLst>
-              <a:ext uri="{28A0092B-C50C-407E-A947-70E740481C1C}">
-                <a14:useLocalDpi xmlns:a14="http://schemas.microsoft.com/office/drawing/2010/main" val="0"/>
-              </a:ext>
-            </a:extLst>
-          </a:blip>
-          <a:stretch>
-            <a:fillRect/>
-          </a:stretch>
-        </p:blipFill>
-        <p:spPr>
-          <a:xfrm>
-            <a:off x="399143" y="1825625"/>
-            <a:ext cx="8116207" cy="4749346"/>
-          </a:xfrm>
-        </p:spPr>
-      </p:pic>
+        </p:nvSpPr>
+        <p:spPr>
+          <a:xfrm>
+            <a:off x="705923" y="1980172"/>
+            <a:ext cx="7886700" cy="1419851"/>
+          </a:xfrm>
+        </p:spPr>
+        <p:txBody>
+          <a:bodyPr>
+            <a:normAutofit/>
+          </a:bodyPr>
+          <a:lstStyle/>
+          <a:p>
+            <a:pPr marL="0" indent="0" algn="ctr">
+              <a:buNone/>
+            </a:pPr>
+            <a:r>
+              <a:rPr lang="en-US" sz="8800" dirty="0" smtClean="0"/>
+              <a:t>Questions?</a:t>
+            </a:r>
+            <a:endParaRPr lang="en-US" sz="8800" dirty="0"/>
+          </a:p>
+        </p:txBody>
+      </p:sp>
     </p:spTree>
     <p:extLst>
       <p:ext uri="{BB962C8B-B14F-4D97-AF65-F5344CB8AC3E}">
-        <p14:creationId xmlns:p14="http://schemas.microsoft.com/office/powerpoint/2010/main" val="628751080"/>
-      </p:ext>
-    </p:extLst>
-  </p:cSld>
-  <p:clrMapOvr>
-    <a:masterClrMapping/>
-  </p:clrMapOvr>
-  <p:timing>
-    <p:tnLst>
-      <p:par>
-        <p:cTn id="1" dur="indefinite" restart="never" nodeType="tmRoot"/>
-      </p:par>
-    </p:tnLst>
-  </p:timing>
-</p:sld>
-</file>
-
-<file path=ppt/slides/slide18.xml><?xml version="1.0" encoding="utf-8"?>
-<p:sld xmlns:a="http://schemas.openxmlformats.org/drawingml/2006/main" xmlns:r="http://schemas.openxmlformats.org/officeDocument/2006/relationships" xmlns:p="http://schemas.openxmlformats.org/presentationml/2006/main">
-  <p:cSld>
-    <p:spTree>
-      <p:nvGrpSpPr>
-        <p:cNvPr id="1" name=""/>
-        <p:cNvGrpSpPr/>
-        <p:nvPr/>
-      </p:nvGrpSpPr>
-      <p:grpSpPr>
-        <a:xfrm>
-          <a:off x="0" y="0"/>
-          <a:ext cx="0" cy="0"/>
-          <a:chOff x="0" y="0"/>
-          <a:chExt cx="0" cy="0"/>
-        </a:xfrm>
-      </p:grpSpPr>
-      <p:sp>
-        <p:nvSpPr>
-          <p:cNvPr id="2" name="Title 1"/>
-          <p:cNvSpPr>
-            <a:spLocks noGrp="1"/>
-          </p:cNvSpPr>
-          <p:nvPr>
-            <p:ph type="title"/>
-          </p:nvPr>
-        </p:nvSpPr>
-        <p:spPr>
-          <a:xfrm>
-            <a:off x="628650" y="365126"/>
-            <a:ext cx="7886700" cy="883103"/>
-          </a:xfrm>
-        </p:spPr>
-        <p:txBody>
-          <a:bodyPr/>
-          <a:lstStyle/>
-          <a:p>
-            <a:r>
-              <a:rPr lang="en-US" dirty="0" smtClean="0"/>
-              <a:t>observations</a:t>
-            </a:r>
-            <a:endParaRPr lang="en-US" dirty="0"/>
-          </a:p>
-        </p:txBody>
-      </p:sp>
-      <p:sp>
-        <p:nvSpPr>
-          <p:cNvPr id="3" name="Content Placeholder 2"/>
-          <p:cNvSpPr>
-            <a:spLocks noGrp="1"/>
-          </p:cNvSpPr>
-          <p:nvPr>
-            <p:ph idx="1"/>
-          </p:nvPr>
-        </p:nvSpPr>
-        <p:spPr/>
-        <p:txBody>
-          <a:bodyPr/>
-          <a:lstStyle/>
-          <a:p>
-            <a:r>
-              <a:rPr lang="en-US" dirty="0" smtClean="0"/>
-              <a:t>ML computationally expensive, takes hours to complete</a:t>
-            </a:r>
-          </a:p>
-          <a:p>
-            <a:r>
-              <a:rPr lang="en-US" dirty="0" smtClean="0"/>
-              <a:t>MOM computationally efficient</a:t>
-            </a:r>
-          </a:p>
-          <a:p>
-            <a:r>
-              <a:rPr lang="en-US" dirty="0" smtClean="0"/>
-              <a:t>ML is asymptotically efficient and approaches CRLB quicker than MOM.</a:t>
-            </a:r>
-          </a:p>
-          <a:p>
-            <a:r>
-              <a:rPr lang="en-US" dirty="0" smtClean="0"/>
-              <a:t>MSE tends to increase for large parameter sizes.</a:t>
-            </a:r>
-          </a:p>
-          <a:p>
-            <a:endParaRPr lang="en-US" dirty="0" smtClean="0"/>
-          </a:p>
-          <a:p>
-            <a:endParaRPr lang="en-US" dirty="0"/>
-          </a:p>
-        </p:txBody>
-      </p:sp>
-    </p:spTree>
-    <p:extLst>
-      <p:ext uri="{BB962C8B-B14F-4D97-AF65-F5344CB8AC3E}">
-        <p14:creationId xmlns:p14="http://schemas.microsoft.com/office/powerpoint/2010/main" val="2965941496"/>
+        <p14:creationId xmlns:p14="http://schemas.microsoft.com/office/powerpoint/2010/main" val="4246937847"/>
       </p:ext>
     </p:extLst>
   </p:cSld>
@@ -4309,7 +4004,7 @@
           <a:graphicData uri="http://schemas.openxmlformats.org/presentationml/2006/ole">
             <mc:AlternateContent xmlns:mc="http://schemas.openxmlformats.org/markup-compatibility/2006">
               <mc:Choice xmlns:v="urn:schemas-microsoft-com:vml" Requires="v">
-                <p:oleObj spid="_x0000_s1036" name="Equation" r:id="rId3" imgW="114120" imgH="177480" progId="Equation.DSMT4">
+                <p:oleObj spid="_x0000_s1040" name="Equation" r:id="rId3" imgW="114120" imgH="177480" progId="Equation.DSMT4">
                   <p:embed/>
                 </p:oleObj>
               </mc:Choice>
@@ -4421,94 +4116,57 @@
             <p:ph type="title"/>
           </p:nvPr>
         </p:nvSpPr>
-        <p:spPr/>
+        <p:spPr>
+          <a:xfrm>
+            <a:off x="628650" y="365127"/>
+            <a:ext cx="7886700" cy="701674"/>
+          </a:xfrm>
+        </p:spPr>
         <p:txBody>
           <a:bodyPr/>
           <a:lstStyle/>
           <a:p>
-            <a:pPr algn="ctr"/>
             <a:r>
               <a:rPr lang="en-US" dirty="0" smtClean="0"/>
-              <a:t>Presentation Outline</a:t>
+              <a:t>Topic modelling</a:t>
             </a:r>
             <a:endParaRPr lang="en-US" dirty="0"/>
           </a:p>
         </p:txBody>
       </p:sp>
-      <p:sp>
-        <p:nvSpPr>
-          <p:cNvPr id="3" name="Content Placeholder 2"/>
-          <p:cNvSpPr>
-            <a:spLocks noGrp="1"/>
-          </p:cNvSpPr>
+      <p:pic>
+        <p:nvPicPr>
+          <p:cNvPr id="4" name="Content Placeholder 3"/>
+          <p:cNvPicPr>
+            <a:picLocks noGrp="1" noChangeAspect="1"/>
+          </p:cNvPicPr>
           <p:nvPr>
             <p:ph idx="1"/>
           </p:nvPr>
-        </p:nvSpPr>
-        <p:spPr/>
-        <p:txBody>
-          <a:bodyPr>
-            <a:normAutofit/>
-          </a:bodyPr>
-          <a:lstStyle/>
-          <a:p>
-            <a:r>
-              <a:rPr lang="en-US" sz="3200" dirty="0" smtClean="0"/>
-              <a:t>Introduction</a:t>
-            </a:r>
-          </a:p>
-          <a:p>
-            <a:r>
-              <a:rPr lang="en-US" sz="3200" dirty="0" smtClean="0"/>
-              <a:t>Problem formulation</a:t>
-            </a:r>
-          </a:p>
-          <a:p>
-            <a:r>
-              <a:rPr lang="en-US" sz="3200" dirty="0" smtClean="0"/>
-              <a:t>Estimation</a:t>
-            </a:r>
-          </a:p>
-          <a:p>
-            <a:pPr lvl="1"/>
-            <a:r>
-              <a:rPr lang="en-US" sz="2800" dirty="0" smtClean="0"/>
-              <a:t>Cramer Rao Lower Bound (CRLB)</a:t>
-            </a:r>
-          </a:p>
-          <a:p>
-            <a:pPr lvl="1"/>
-            <a:r>
-              <a:rPr lang="en-US" sz="2800" dirty="0" smtClean="0"/>
-              <a:t>Maximum Likelihood (ML)</a:t>
-            </a:r>
-          </a:p>
-          <a:p>
-            <a:pPr lvl="1"/>
-            <a:r>
-              <a:rPr lang="en-US" sz="2800" dirty="0" smtClean="0"/>
-              <a:t>Method of Moments (MOM)</a:t>
-            </a:r>
-          </a:p>
-          <a:p>
-            <a:r>
-              <a:rPr lang="en-US" sz="3200" dirty="0" smtClean="0"/>
-              <a:t>Experimental Result</a:t>
-            </a:r>
-          </a:p>
-          <a:p>
-            <a:r>
-              <a:rPr lang="en-US" sz="3200" dirty="0" smtClean="0"/>
-              <a:t>Conclusion</a:t>
-            </a:r>
-            <a:endParaRPr lang="en-US" sz="3200" dirty="0"/>
-          </a:p>
-        </p:txBody>
-      </p:sp>
+        </p:nvPicPr>
+        <p:blipFill>
+          <a:blip r:embed="rId2">
+            <a:extLst>
+              <a:ext uri="{28A0092B-C50C-407E-A947-70E740481C1C}">
+                <a14:useLocalDpi xmlns:a14="http://schemas.microsoft.com/office/drawing/2010/main" val="0"/>
+              </a:ext>
+            </a:extLst>
+          </a:blip>
+          <a:stretch>
+            <a:fillRect/>
+          </a:stretch>
+        </p:blipFill>
+        <p:spPr>
+          <a:xfrm>
+            <a:off x="1408361" y="1121682"/>
+            <a:ext cx="6515963" cy="4351338"/>
+          </a:xfrm>
+        </p:spPr>
+      </p:pic>
     </p:spTree>
     <p:extLst>
       <p:ext uri="{BB962C8B-B14F-4D97-AF65-F5344CB8AC3E}">
-        <p14:creationId xmlns:p14="http://schemas.microsoft.com/office/powerpoint/2010/main" val="3745523783"/>
+        <p14:creationId xmlns:p14="http://schemas.microsoft.com/office/powerpoint/2010/main" val="220784892"/>
       </p:ext>
     </p:extLst>
   </p:cSld>
@@ -5048,129 +4706,6 @@
         </p:nvSpPr>
         <p:spPr>
           <a:xfrm>
-            <a:off x="628650" y="365127"/>
-            <a:ext cx="7886700" cy="701674"/>
-          </a:xfrm>
-        </p:spPr>
-        <p:txBody>
-          <a:bodyPr/>
-          <a:lstStyle/>
-          <a:p>
-            <a:r>
-              <a:rPr lang="en-US" dirty="0" smtClean="0"/>
-              <a:t>Topic modelling</a:t>
-            </a:r>
-            <a:endParaRPr lang="en-US" dirty="0"/>
-          </a:p>
-        </p:txBody>
-      </p:sp>
-      <p:pic>
-        <p:nvPicPr>
-          <p:cNvPr id="4" name="Content Placeholder 3"/>
-          <p:cNvPicPr>
-            <a:picLocks noGrp="1" noChangeAspect="1"/>
-          </p:cNvPicPr>
-          <p:nvPr>
-            <p:ph idx="1"/>
-          </p:nvPr>
-        </p:nvPicPr>
-        <p:blipFill>
-          <a:blip r:embed="rId2">
-            <a:extLst>
-              <a:ext uri="{28A0092B-C50C-407E-A947-70E740481C1C}">
-                <a14:useLocalDpi xmlns:a14="http://schemas.microsoft.com/office/drawing/2010/main" val="0"/>
-              </a:ext>
-            </a:extLst>
-          </a:blip>
-          <a:stretch>
-            <a:fillRect/>
-          </a:stretch>
-        </p:blipFill>
-        <p:spPr>
-          <a:xfrm>
-            <a:off x="1408361" y="1121682"/>
-            <a:ext cx="6515963" cy="4351338"/>
-          </a:xfrm>
-        </p:spPr>
-      </p:pic>
-    </p:spTree>
-    <p:extLst>
-      <p:ext uri="{BB962C8B-B14F-4D97-AF65-F5344CB8AC3E}">
-        <p14:creationId xmlns:p14="http://schemas.microsoft.com/office/powerpoint/2010/main" val="220784892"/>
-      </p:ext>
-    </p:extLst>
-  </p:cSld>
-  <p:clrMapOvr>
-    <a:masterClrMapping/>
-  </p:clrMapOvr>
-  <p:timing>
-    <p:tnLst>
-      <p:par>
-        <p:cTn id="1" dur="indefinite" restart="never" nodeType="tmRoot"/>
-      </p:par>
-    </p:tnLst>
-  </p:timing>
-</p:sld>
-</file>
-
-<file path=ppt/slides/slide6.xml><?xml version="1.0" encoding="utf-8"?>
-<p:sld xmlns:a="http://schemas.openxmlformats.org/drawingml/2006/main" xmlns:r="http://schemas.openxmlformats.org/officeDocument/2006/relationships" xmlns:p="http://schemas.openxmlformats.org/presentationml/2006/main">
-  <p:cSld>
-    <p:spTree>
-      <p:nvGrpSpPr>
-        <p:cNvPr id="1" name=""/>
-        <p:cNvGrpSpPr/>
-        <p:nvPr/>
-      </p:nvGrpSpPr>
-      <p:grpSpPr>
-        <a:xfrm>
-          <a:off x="0" y="0"/>
-          <a:ext cx="0" cy="0"/>
-          <a:chOff x="0" y="0"/>
-          <a:chExt cx="0" cy="0"/>
-        </a:xfrm>
-      </p:grpSpPr>
-      <p:pic>
-        <p:nvPicPr>
-          <p:cNvPr id="4" name="Content Placeholder 3"/>
-          <p:cNvPicPr>
-            <a:picLocks noGrp="1" noChangeAspect="1"/>
-          </p:cNvPicPr>
-          <p:nvPr>
-            <p:ph idx="1"/>
-          </p:nvPr>
-        </p:nvPicPr>
-        <p:blipFill>
-          <a:blip r:embed="rId2">
-            <a:extLst>
-              <a:ext uri="{28A0092B-C50C-407E-A947-70E740481C1C}">
-                <a14:useLocalDpi xmlns:a14="http://schemas.microsoft.com/office/drawing/2010/main" val="0"/>
-              </a:ext>
-            </a:extLst>
-          </a:blip>
-          <a:stretch>
-            <a:fillRect/>
-          </a:stretch>
-        </p:blipFill>
-        <p:spPr>
-          <a:xfrm>
-            <a:off x="4349837" y="1757441"/>
-            <a:ext cx="3651431" cy="3905324"/>
-          </a:xfrm>
-        </p:spPr>
-      </p:pic>
-      <p:sp>
-        <p:nvSpPr>
-          <p:cNvPr id="2" name="Title 1"/>
-          <p:cNvSpPr>
-            <a:spLocks noGrp="1"/>
-          </p:cNvSpPr>
-          <p:nvPr>
-            <p:ph type="title"/>
-          </p:nvPr>
-        </p:nvSpPr>
-        <p:spPr>
-          <a:xfrm>
             <a:off x="628650" y="365126"/>
             <a:ext cx="7886700" cy="897617"/>
           </a:xfrm>
@@ -5197,8 +4732,8 @@
         </p:nvSpPr>
         <p:spPr>
           <a:xfrm>
-            <a:off x="628650" y="1825625"/>
-            <a:ext cx="7886700" cy="4351338"/>
+            <a:off x="386366" y="1519707"/>
+            <a:ext cx="8128984" cy="4657256"/>
           </a:xfrm>
           <a:prstGeom prst="rect">
             <a:avLst/>
@@ -5398,6 +4933,12 @@
             </a:r>
           </a:p>
           <a:p>
+            <a:pPr marL="457200" lvl="1" indent="0">
+              <a:buNone/>
+            </a:pPr>
+            <a:endParaRPr lang="en-US" dirty="0" smtClean="0"/>
+          </a:p>
+          <a:p>
             <a:pPr lvl="1"/>
             <a:endParaRPr lang="en-US" dirty="0" smtClean="0"/>
           </a:p>
@@ -5409,7 +4950,11 @@
             </a:r>
             <a:r>
               <a:rPr lang="en-US" dirty="0" smtClean="0"/>
-              <a:t> conjugate prior for the multinomial</a:t>
+              <a:t> </a:t>
+            </a:r>
+            <a:r>
+              <a:rPr lang="en-US" dirty="0" smtClean="0"/>
+              <a:t>conjugate prior for the multinomial</a:t>
             </a:r>
           </a:p>
           <a:p>
@@ -5417,33 +4962,60 @@
             <a:endParaRPr lang="en-US" dirty="0" smtClean="0"/>
           </a:p>
           <a:p>
+            <a:pPr marL="0" indent="0">
+              <a:buNone/>
+            </a:pPr>
             <a:endParaRPr lang="en-US" dirty="0" smtClean="0"/>
           </a:p>
           <a:p>
             <a:r>
+              <a:rPr lang="en-US" b="1" dirty="0" smtClean="0"/>
+              <a:t>Beta-binomial</a:t>
+            </a:r>
+          </a:p>
+          <a:p>
+            <a:pPr lvl="1"/>
+            <a:r>
               <a:rPr lang="en-US" dirty="0" smtClean="0"/>
-              <a:t>Beta-binomial</a:t>
+              <a:t>Topic: </a:t>
+            </a:r>
+            <a:r>
+              <a:rPr lang="en-US" dirty="0" smtClean="0"/>
+              <a:t>a mixture of distribution of words</a:t>
             </a:r>
           </a:p>
           <a:p>
             <a:pPr lvl="1"/>
             <a:r>
               <a:rPr lang="en-US" dirty="0" smtClean="0"/>
-              <a:t>Topic a mixture of distribution of words</a:t>
+              <a:t>Documents:  </a:t>
+            </a:r>
+            <a:r>
+              <a:rPr lang="en-US" dirty="0" smtClean="0"/>
+              <a:t>bag </a:t>
+            </a:r>
+            <a:r>
+              <a:rPr lang="en-US" dirty="0" smtClean="0"/>
+              <a:t>of </a:t>
+            </a:r>
+            <a:r>
+              <a:rPr lang="en-US" dirty="0" smtClean="0"/>
+              <a:t>words </a:t>
             </a:r>
           </a:p>
           <a:p>
             <a:pPr lvl="1"/>
             <a:r>
               <a:rPr lang="en-US" dirty="0" smtClean="0"/>
-              <a:t>Documents are mixture of words </a:t>
-            </a:r>
-          </a:p>
-          <a:p>
-            <a:pPr lvl="1"/>
+              <a:t>W</a:t>
+            </a:r>
             <a:r>
               <a:rPr lang="en-US" dirty="0" smtClean="0"/>
-              <a:t>Each word is drawn from two topics {0 or 1}</a:t>
+              <a:t>ord </a:t>
+            </a:r>
+            <a:r>
+              <a:rPr lang="en-US" dirty="0" smtClean="0"/>
+              <a:t>is drawn from two topics {0 or 1}</a:t>
             </a:r>
           </a:p>
           <a:p>
@@ -5465,7 +5037,7 @@
           <p:nvPr/>
         </p:nvPicPr>
         <p:blipFill>
-          <a:blip r:embed="rId3">
+          <a:blip r:embed="rId2">
             <a:extLst>
               <a:ext uri="{28A0092B-C50C-407E-A947-70E740481C1C}">
                 <a14:useLocalDpi xmlns:a14="http://schemas.microsoft.com/office/drawing/2010/main" val="0"/>
@@ -5479,7 +5051,7 @@
         </p:blipFill>
         <p:spPr bwMode="auto">
           <a:xfrm>
-            <a:off x="1305832" y="3526686"/>
+            <a:off x="1215680" y="3677782"/>
             <a:ext cx="4275732" cy="712220"/>
           </a:xfrm>
           <a:prstGeom prst="rect">
@@ -5529,6 +5101,163 @@
           <p:nvPr/>
         </p:nvPicPr>
         <p:blipFill>
+          <a:blip r:embed="rId3">
+            <a:extLst>
+              <a:ext uri="{28A0092B-C50C-407E-A947-70E740481C1C}">
+                <a14:useLocalDpi xmlns:a14="http://schemas.microsoft.com/office/drawing/2010/main" val="0"/>
+              </a:ext>
+            </a:extLst>
+          </a:blip>
+          <a:stretch>
+            <a:fillRect/>
+          </a:stretch>
+        </p:blipFill>
+        <p:spPr>
+          <a:xfrm>
+            <a:off x="1215680" y="2343585"/>
+            <a:ext cx="3050188" cy="734465"/>
+          </a:xfrm>
+          <a:prstGeom prst="rect">
+            <a:avLst/>
+          </a:prstGeom>
+        </p:spPr>
+      </p:pic>
+    </p:spTree>
+    <p:extLst>
+      <p:ext uri="{BB962C8B-B14F-4D97-AF65-F5344CB8AC3E}">
+        <p14:creationId xmlns:p14="http://schemas.microsoft.com/office/powerpoint/2010/main" val="3990317836"/>
+      </p:ext>
+    </p:extLst>
+  </p:cSld>
+  <p:clrMapOvr>
+    <a:masterClrMapping/>
+  </p:clrMapOvr>
+  <p:timing>
+    <p:tnLst>
+      <p:par>
+        <p:cTn id="1" dur="indefinite" restart="never" nodeType="tmRoot"/>
+      </p:par>
+    </p:tnLst>
+  </p:timing>
+</p:sld>
+</file>
+
+<file path=ppt/slides/slide6.xml><?xml version="1.0" encoding="utf-8"?>
+<p:sld xmlns:a="http://schemas.openxmlformats.org/drawingml/2006/main" xmlns:r="http://schemas.openxmlformats.org/officeDocument/2006/relationships" xmlns:p="http://schemas.openxmlformats.org/presentationml/2006/main">
+  <p:cSld>
+    <p:spTree>
+      <p:nvGrpSpPr>
+        <p:cNvPr id="1" name=""/>
+        <p:cNvGrpSpPr/>
+        <p:nvPr/>
+      </p:nvGrpSpPr>
+      <p:grpSpPr>
+        <a:xfrm>
+          <a:off x="0" y="0"/>
+          <a:ext cx="0" cy="0"/>
+          <a:chOff x="0" y="0"/>
+          <a:chExt cx="0" cy="0"/>
+        </a:xfrm>
+      </p:grpSpPr>
+      <p:sp>
+        <p:nvSpPr>
+          <p:cNvPr id="2" name="Title 1"/>
+          <p:cNvSpPr>
+            <a:spLocks noGrp="1"/>
+          </p:cNvSpPr>
+          <p:nvPr>
+            <p:ph type="title"/>
+          </p:nvPr>
+        </p:nvSpPr>
+        <p:spPr>
+          <a:xfrm>
+            <a:off x="628650" y="365126"/>
+            <a:ext cx="7886700" cy="356091"/>
+          </a:xfrm>
+        </p:spPr>
+        <p:txBody>
+          <a:bodyPr>
+            <a:normAutofit fontScale="90000"/>
+          </a:bodyPr>
+          <a:lstStyle/>
+          <a:p>
+            <a:pPr algn="ctr"/>
+            <a:r>
+              <a:rPr lang="en-US" dirty="0" smtClean="0"/>
+              <a:t>Problem Formulation</a:t>
+            </a:r>
+            <a:endParaRPr lang="en-US" dirty="0"/>
+          </a:p>
+        </p:txBody>
+      </p:sp>
+      <p:pic>
+        <p:nvPicPr>
+          <p:cNvPr id="4" name="Content Placeholder 3" descr="Screen Clipping"/>
+          <p:cNvPicPr>
+            <a:picLocks noGrp="1" noChangeAspect="1"/>
+          </p:cNvPicPr>
+          <p:nvPr>
+            <p:ph idx="1"/>
+          </p:nvPr>
+        </p:nvPicPr>
+        <p:blipFill>
+          <a:blip r:embed="rId2">
+            <a:extLst>
+              <a:ext uri="{28A0092B-C50C-407E-A947-70E740481C1C}">
+                <a14:useLocalDpi xmlns:a14="http://schemas.microsoft.com/office/drawing/2010/main" val="0"/>
+              </a:ext>
+            </a:extLst>
+          </a:blip>
+          <a:stretch>
+            <a:fillRect/>
+          </a:stretch>
+        </p:blipFill>
+        <p:spPr>
+          <a:xfrm>
+            <a:off x="718802" y="2837342"/>
+            <a:ext cx="5651378" cy="1815399"/>
+          </a:xfrm>
+        </p:spPr>
+      </p:pic>
+      <p:pic>
+        <p:nvPicPr>
+          <p:cNvPr id="6" name="Picture 5" descr="Screen Clipping"/>
+          <p:cNvPicPr>
+            <a:picLocks noChangeAspect="1"/>
+          </p:cNvPicPr>
+          <p:nvPr/>
+        </p:nvPicPr>
+        <p:blipFill>
+          <a:blip r:embed="rId3" cstate="print">
+            <a:extLst>
+              <a:ext uri="{28A0092B-C50C-407E-A947-70E740481C1C}">
+                <a14:useLocalDpi xmlns:a14="http://schemas.microsoft.com/office/drawing/2010/main" val="0"/>
+              </a:ext>
+            </a:extLst>
+          </a:blip>
+          <a:stretch>
+            <a:fillRect/>
+          </a:stretch>
+        </p:blipFill>
+        <p:spPr>
+          <a:xfrm>
+            <a:off x="7093314" y="3157983"/>
+            <a:ext cx="1083502" cy="1494758"/>
+          </a:xfrm>
+          <a:prstGeom prst="rect">
+            <a:avLst/>
+          </a:prstGeom>
+        </p:spPr>
+      </p:pic>
+      <p:pic>
+        <p:nvPicPr>
+          <p:cNvPr id="7" name="Picture 6" descr="Screen Clipping"/>
+          <p:cNvPicPr>
+            <a:picLocks noChangeAspect="1"/>
+          </p:cNvPicPr>
+          <p:nvPr/>
+        </p:nvPicPr>
+        <p:blipFill>
           <a:blip r:embed="rId4">
             <a:extLst>
               <a:ext uri="{28A0092B-C50C-407E-A947-70E740481C1C}">
@@ -5542,18 +5271,143 @@
         </p:blipFill>
         <p:spPr>
           <a:xfrm>
-            <a:off x="2235200" y="2588284"/>
-            <a:ext cx="2208753" cy="531853"/>
+            <a:off x="113040" y="5229476"/>
+            <a:ext cx="9030960" cy="1400370"/>
           </a:xfrm>
           <a:prstGeom prst="rect">
             <a:avLst/>
           </a:prstGeom>
         </p:spPr>
       </p:pic>
+      <p:sp>
+        <p:nvSpPr>
+          <p:cNvPr id="8" name="TextBox 7"/>
+          <p:cNvSpPr txBox="1"/>
+          <p:nvPr/>
+        </p:nvSpPr>
+        <p:spPr>
+          <a:xfrm>
+            <a:off x="957537" y="1557007"/>
+            <a:ext cx="8008574" cy="1938992"/>
+          </a:xfrm>
+          <a:prstGeom prst="rect">
+            <a:avLst/>
+          </a:prstGeom>
+          <a:noFill/>
+        </p:spPr>
+        <p:txBody>
+          <a:bodyPr wrap="square" rtlCol="0">
+            <a:spAutoFit/>
+          </a:bodyPr>
+          <a:lstStyle/>
+          <a:p>
+            <a:pPr marL="342900" indent="-342900">
+              <a:buFont typeface="Arial" panose="020B0604020202020204" pitchFamily="34" charset="0"/>
+              <a:buChar char="•"/>
+            </a:pPr>
+            <a:r>
+              <a:rPr lang="en-US" sz="2000" dirty="0" smtClean="0"/>
+              <a:t>Given m documents x1,x2,….</a:t>
+            </a:r>
+            <a:r>
+              <a:rPr lang="en-US" sz="2000" dirty="0" err="1" smtClean="0"/>
+              <a:t>xm</a:t>
+            </a:r>
+            <a:endParaRPr lang="en-US" sz="2000" dirty="0" smtClean="0"/>
+          </a:p>
+          <a:p>
+            <a:pPr marL="342900" indent="-342900">
+              <a:buFont typeface="Arial" panose="020B0604020202020204" pitchFamily="34" charset="0"/>
+              <a:buChar char="•"/>
+            </a:pPr>
+            <a:r>
+              <a:rPr lang="en-US" sz="2000" dirty="0" smtClean="0"/>
+              <a:t>Each xi contains n words</a:t>
+            </a:r>
+          </a:p>
+          <a:p>
+            <a:pPr marL="342900" indent="-342900">
+              <a:buFont typeface="Arial" panose="020B0604020202020204" pitchFamily="34" charset="0"/>
+              <a:buChar char="•"/>
+            </a:pPr>
+            <a:r>
+              <a:rPr lang="en-US" sz="2000" dirty="0" smtClean="0"/>
+              <a:t>PDF is given by</a:t>
+            </a:r>
+          </a:p>
+          <a:p>
+            <a:endParaRPr lang="en-US" sz="2000" dirty="0" smtClean="0"/>
+          </a:p>
+          <a:p>
+            <a:pPr marL="342900" indent="-342900">
+              <a:buFont typeface="Arial" panose="020B0604020202020204" pitchFamily="34" charset="0"/>
+              <a:buChar char="•"/>
+            </a:pPr>
+            <a:endParaRPr lang="en-US" sz="2000" dirty="0" smtClean="0"/>
+          </a:p>
+          <a:p>
+            <a:endParaRPr lang="en-US" sz="2000" dirty="0"/>
+          </a:p>
+        </p:txBody>
+      </p:sp>
+      <p:sp>
+        <p:nvSpPr>
+          <p:cNvPr id="5" name="TextBox 4"/>
+          <p:cNvSpPr txBox="1"/>
+          <p:nvPr/>
+        </p:nvSpPr>
+        <p:spPr>
+          <a:xfrm>
+            <a:off x="957537" y="4546242"/>
+            <a:ext cx="6284862" cy="954107"/>
+          </a:xfrm>
+          <a:prstGeom prst="rect">
+            <a:avLst/>
+          </a:prstGeom>
+          <a:noFill/>
+        </p:spPr>
+        <p:txBody>
+          <a:bodyPr wrap="none" rtlCol="0">
+            <a:spAutoFit/>
+          </a:bodyPr>
+          <a:lstStyle/>
+          <a:p>
+            <a:pPr marL="285750" indent="-285750">
+              <a:buFont typeface="Arial" panose="020B0604020202020204" pitchFamily="34" charset="0"/>
+              <a:buChar char="•"/>
+            </a:pPr>
+            <a:r>
+              <a:rPr lang="en-US" dirty="0" smtClean="0"/>
+              <a:t>The probability i.e. the likelihood of  all documents is given by</a:t>
+            </a:r>
+          </a:p>
+          <a:p>
+            <a:pPr marL="285750" indent="-285750">
+              <a:buFont typeface="Arial" panose="020B0604020202020204" pitchFamily="34" charset="0"/>
+              <a:buChar char="•"/>
+            </a:pPr>
+            <a:r>
+              <a:rPr lang="en-US" dirty="0" smtClean="0"/>
+              <a:t> </a:t>
+            </a:r>
+            <a:r>
+              <a:rPr lang="en-US" dirty="0"/>
+              <a:t>We have to estimate parameters from the distribution.</a:t>
+            </a:r>
+          </a:p>
+          <a:p>
+            <a:pPr marL="285750" indent="-285750">
+              <a:buFont typeface="Arial" panose="020B0604020202020204" pitchFamily="34" charset="0"/>
+              <a:buChar char="•"/>
+            </a:pPr>
+            <a:endParaRPr lang="en-US" dirty="0"/>
+          </a:p>
+        </p:txBody>
+      </p:sp>
     </p:spTree>
     <p:extLst>
       <p:ext uri="{BB962C8B-B14F-4D97-AF65-F5344CB8AC3E}">
-        <p14:creationId xmlns:p14="http://schemas.microsoft.com/office/powerpoint/2010/main" val="3990317836"/>
+        <p14:creationId xmlns:p14="http://schemas.microsoft.com/office/powerpoint/2010/main" val="2476993360"/>
       </p:ext>
     </p:extLst>
   </p:cSld>
@@ -5597,7 +5451,12 @@
             <p:ph type="title"/>
           </p:nvPr>
         </p:nvSpPr>
-        <p:spPr/>
+        <p:spPr>
+          <a:xfrm>
+            <a:off x="628650" y="365126"/>
+            <a:ext cx="7886700" cy="853831"/>
+          </a:xfrm>
+        </p:spPr>
         <p:txBody>
           <a:bodyPr/>
           <a:lstStyle/>
@@ -5605,51 +5464,15 @@
             <a:pPr algn="ctr"/>
             <a:r>
               <a:rPr lang="en-US" dirty="0" smtClean="0"/>
-              <a:t>Problem Formulation</a:t>
-            </a:r>
-            <a:endParaRPr lang="en-US" dirty="0"/>
-          </a:p>
-        </p:txBody>
-      </p:sp>
-      <p:sp>
-        <p:nvSpPr>
-          <p:cNvPr id="3" name="Content Placeholder 2"/>
-          <p:cNvSpPr>
-            <a:spLocks noGrp="1"/>
-          </p:cNvSpPr>
-          <p:nvPr>
-            <p:ph idx="1"/>
-          </p:nvPr>
-        </p:nvSpPr>
-        <p:spPr/>
-        <p:txBody>
-          <a:bodyPr/>
-          <a:lstStyle/>
-          <a:p>
-            <a:r>
-              <a:rPr lang="en-US" dirty="0" smtClean="0"/>
-              <a:t>Suppose we have m documents: x1, x2, …, </a:t>
-            </a:r>
-            <a:r>
-              <a:rPr lang="en-US" dirty="0" err="1" smtClean="0"/>
-              <a:t>xm</a:t>
-            </a:r>
-            <a:endParaRPr lang="en-US" dirty="0" smtClean="0"/>
-          </a:p>
-          <a:p>
-            <a:r>
-              <a:rPr lang="en-US" dirty="0" smtClean="0"/>
-              <a:t>Each xi has n words.</a:t>
-            </a:r>
-          </a:p>
-          <a:p>
+              <a:t>Cramer Rao Lower Bound (CRLB)</a:t>
+            </a:r>
             <a:endParaRPr lang="en-US" dirty="0"/>
           </a:p>
         </p:txBody>
       </p:sp>
       <p:pic>
         <p:nvPicPr>
-          <p:cNvPr id="4" name="Picture 3"/>
+          <p:cNvPr id="5" name="Picture 4" descr="Screen Clipping"/>
           <p:cNvPicPr>
             <a:picLocks noChangeAspect="1"/>
           </p:cNvPicPr>
@@ -5669,18 +5492,302 @@
         </p:blipFill>
         <p:spPr>
           <a:xfrm>
-            <a:off x="2121722" y="2807638"/>
-            <a:ext cx="6905625" cy="3952875"/>
+            <a:off x="2397450" y="2205536"/>
+            <a:ext cx="5919596" cy="725672"/>
           </a:xfrm>
           <a:prstGeom prst="rect">
             <a:avLst/>
           </a:prstGeom>
         </p:spPr>
       </p:pic>
+      <p:pic>
+        <p:nvPicPr>
+          <p:cNvPr id="7" name="Content Placeholder 6" descr="Screen Clipping"/>
+          <p:cNvPicPr>
+            <a:picLocks noGrp="1" noChangeAspect="1"/>
+          </p:cNvPicPr>
+          <p:nvPr>
+            <p:ph idx="1"/>
+          </p:nvPr>
+        </p:nvPicPr>
+        <p:blipFill>
+          <a:blip r:embed="rId3">
+            <a:extLst>
+              <a:ext uri="{28A0092B-C50C-407E-A947-70E740481C1C}">
+                <a14:useLocalDpi xmlns:a14="http://schemas.microsoft.com/office/drawing/2010/main" val="0"/>
+              </a:ext>
+            </a:extLst>
+          </a:blip>
+          <a:stretch>
+            <a:fillRect/>
+          </a:stretch>
+        </p:blipFill>
+        <p:spPr>
+          <a:xfrm>
+            <a:off x="2241117" y="2752754"/>
+            <a:ext cx="3977951" cy="775429"/>
+          </a:xfrm>
+        </p:spPr>
+      </p:pic>
+      <p:pic>
+        <p:nvPicPr>
+          <p:cNvPr id="8" name="Picture 7" descr="Screen Clipping"/>
+          <p:cNvPicPr>
+            <a:picLocks noChangeAspect="1"/>
+          </p:cNvPicPr>
+          <p:nvPr/>
+        </p:nvPicPr>
+        <p:blipFill>
+          <a:blip r:embed="rId4">
+            <a:extLst>
+              <a:ext uri="{28A0092B-C50C-407E-A947-70E740481C1C}">
+                <a14:useLocalDpi xmlns:a14="http://schemas.microsoft.com/office/drawing/2010/main" val="0"/>
+              </a:ext>
+            </a:extLst>
+          </a:blip>
+          <a:stretch>
+            <a:fillRect/>
+          </a:stretch>
+        </p:blipFill>
+        <p:spPr>
+          <a:xfrm>
+            <a:off x="2366194" y="3689815"/>
+            <a:ext cx="5991891" cy="732871"/>
+          </a:xfrm>
+          <a:prstGeom prst="rect">
+            <a:avLst/>
+          </a:prstGeom>
+        </p:spPr>
+      </p:pic>
+      <p:pic>
+        <p:nvPicPr>
+          <p:cNvPr id="9" name="Picture 8" descr="Screen Clipping"/>
+          <p:cNvPicPr>
+            <a:picLocks noChangeAspect="1"/>
+          </p:cNvPicPr>
+          <p:nvPr/>
+        </p:nvPicPr>
+        <p:blipFill>
+          <a:blip r:embed="rId5">
+            <a:extLst>
+              <a:ext uri="{28A0092B-C50C-407E-A947-70E740481C1C}">
+                <a14:useLocalDpi xmlns:a14="http://schemas.microsoft.com/office/drawing/2010/main" val="0"/>
+              </a:ext>
+            </a:extLst>
+          </a:blip>
+          <a:stretch>
+            <a:fillRect/>
+          </a:stretch>
+        </p:blipFill>
+        <p:spPr>
+          <a:xfrm>
+            <a:off x="2240924" y="4428139"/>
+            <a:ext cx="4224999" cy="1201525"/>
+          </a:xfrm>
+          <a:prstGeom prst="rect">
+            <a:avLst/>
+          </a:prstGeom>
+        </p:spPr>
+      </p:pic>
+      <p:sp>
+        <p:nvSpPr>
+          <p:cNvPr id="10" name="TextBox 9"/>
+          <p:cNvSpPr txBox="1"/>
+          <p:nvPr/>
+        </p:nvSpPr>
+        <p:spPr>
+          <a:xfrm>
+            <a:off x="874193" y="2205536"/>
+            <a:ext cx="3053365" cy="523220"/>
+          </a:xfrm>
+          <a:prstGeom prst="rect">
+            <a:avLst/>
+          </a:prstGeom>
+          <a:noFill/>
+        </p:spPr>
+        <p:txBody>
+          <a:bodyPr wrap="square" rtlCol="0">
+            <a:spAutoFit/>
+          </a:bodyPr>
+          <a:lstStyle/>
+          <a:p>
+            <a:r>
+              <a:rPr lang="en-US" sz="2800" dirty="0" smtClean="0"/>
+              <a:t>FIM</a:t>
+            </a:r>
+            <a:r>
+              <a:rPr lang="en-US" sz="2800" baseline="-25000" dirty="0" smtClean="0"/>
+              <a:t>11</a:t>
+            </a:r>
+            <a:r>
+              <a:rPr lang="en-US" sz="2800" dirty="0" smtClean="0"/>
+              <a:t> =</a:t>
+            </a:r>
+            <a:endParaRPr lang="en-US" dirty="0"/>
+          </a:p>
+        </p:txBody>
+      </p:sp>
+      <p:pic>
+        <p:nvPicPr>
+          <p:cNvPr id="11" name="Picture 10" descr="Screen Clipping"/>
+          <p:cNvPicPr>
+            <a:picLocks noChangeAspect="1"/>
+          </p:cNvPicPr>
+          <p:nvPr/>
+        </p:nvPicPr>
+        <p:blipFill>
+          <a:blip r:embed="rId6" cstate="print">
+            <a:extLst>
+              <a:ext uri="{28A0092B-C50C-407E-A947-70E740481C1C}">
+                <a14:useLocalDpi xmlns:a14="http://schemas.microsoft.com/office/drawing/2010/main" val="0"/>
+              </a:ext>
+            </a:extLst>
+          </a:blip>
+          <a:stretch>
+            <a:fillRect/>
+          </a:stretch>
+        </p:blipFill>
+        <p:spPr>
+          <a:xfrm>
+            <a:off x="2066371" y="1331359"/>
+            <a:ext cx="4117042" cy="995717"/>
+          </a:xfrm>
+          <a:prstGeom prst="rect">
+            <a:avLst/>
+          </a:prstGeom>
+        </p:spPr>
+      </p:pic>
+      <p:sp>
+        <p:nvSpPr>
+          <p:cNvPr id="12" name="Rectangle 11"/>
+          <p:cNvSpPr/>
+          <p:nvPr/>
+        </p:nvSpPr>
+        <p:spPr>
+          <a:xfrm>
+            <a:off x="-1875" y="2868280"/>
+            <a:ext cx="2403941" cy="523220"/>
+          </a:xfrm>
+          <a:prstGeom prst="rect">
+            <a:avLst/>
+          </a:prstGeom>
+        </p:spPr>
+        <p:txBody>
+          <a:bodyPr wrap="square">
+            <a:spAutoFit/>
+          </a:bodyPr>
+          <a:lstStyle/>
+          <a:p>
+            <a:r>
+              <a:rPr lang="en-US" sz="2800" dirty="0" smtClean="0"/>
+              <a:t>FIM</a:t>
+            </a:r>
+            <a:r>
+              <a:rPr lang="en-US" sz="2800" baseline="-25000" dirty="0" smtClean="0"/>
+              <a:t>12</a:t>
+            </a:r>
+            <a:r>
+              <a:rPr lang="en-US" sz="2800" dirty="0" smtClean="0"/>
+              <a:t> = FIM</a:t>
+            </a:r>
+            <a:r>
+              <a:rPr lang="en-US" sz="2800" baseline="-25000" dirty="0" smtClean="0"/>
+              <a:t>21</a:t>
+            </a:r>
+            <a:r>
+              <a:rPr lang="en-US" sz="2800" dirty="0" smtClean="0"/>
+              <a:t> =</a:t>
+            </a:r>
+            <a:endParaRPr lang="en-US" sz="2800" dirty="0"/>
+          </a:p>
+        </p:txBody>
+      </p:sp>
+      <p:sp>
+        <p:nvSpPr>
+          <p:cNvPr id="13" name="TextBox 12"/>
+          <p:cNvSpPr txBox="1"/>
+          <p:nvPr/>
+        </p:nvSpPr>
+        <p:spPr>
+          <a:xfrm>
+            <a:off x="870767" y="3706237"/>
+            <a:ext cx="3053365" cy="523220"/>
+          </a:xfrm>
+          <a:prstGeom prst="rect">
+            <a:avLst/>
+          </a:prstGeom>
+          <a:noFill/>
+        </p:spPr>
+        <p:txBody>
+          <a:bodyPr wrap="square" rtlCol="0">
+            <a:spAutoFit/>
+          </a:bodyPr>
+          <a:lstStyle/>
+          <a:p>
+            <a:r>
+              <a:rPr lang="en-US" sz="2800" dirty="0" smtClean="0"/>
+              <a:t>FIM</a:t>
+            </a:r>
+            <a:r>
+              <a:rPr lang="en-US" sz="2800" baseline="-25000" dirty="0" smtClean="0"/>
+              <a:t>22</a:t>
+            </a:r>
+            <a:r>
+              <a:rPr lang="en-US" sz="2800" dirty="0" smtClean="0"/>
+              <a:t> =</a:t>
+            </a:r>
+            <a:endParaRPr lang="en-US" dirty="0"/>
+          </a:p>
+        </p:txBody>
+      </p:sp>
+      <p:sp>
+        <p:nvSpPr>
+          <p:cNvPr id="3" name="TextBox 2"/>
+          <p:cNvSpPr txBox="1"/>
+          <p:nvPr/>
+        </p:nvSpPr>
+        <p:spPr>
+          <a:xfrm>
+            <a:off x="870767" y="5677692"/>
+            <a:ext cx="5595156" cy="923330"/>
+          </a:xfrm>
+          <a:prstGeom prst="rect">
+            <a:avLst/>
+          </a:prstGeom>
+          <a:noFill/>
+        </p:spPr>
+        <p:txBody>
+          <a:bodyPr wrap="square" rtlCol="0">
+            <a:spAutoFit/>
+          </a:bodyPr>
+          <a:lstStyle/>
+          <a:p>
+            <a:pPr marL="285750" indent="-285750">
+              <a:buFont typeface="Arial" panose="020B0604020202020204" pitchFamily="34" charset="0"/>
+              <a:buChar char="•"/>
+            </a:pPr>
+            <a:r>
+              <a:rPr lang="en-US" dirty="0" smtClean="0"/>
+              <a:t>CRBL has no closed form in this case</a:t>
+            </a:r>
+          </a:p>
+          <a:p>
+            <a:pPr marL="285750" indent="-285750">
+              <a:buFont typeface="Arial" panose="020B0604020202020204" pitchFamily="34" charset="0"/>
+              <a:buChar char="•"/>
+            </a:pPr>
+            <a:r>
+              <a:rPr lang="en-US" dirty="0" smtClean="0"/>
+              <a:t>We had to compute numerically with Monte Carlo simulation</a:t>
+            </a:r>
+            <a:endParaRPr lang="en-US" dirty="0"/>
+          </a:p>
+        </p:txBody>
+      </p:sp>
     </p:spTree>
     <p:extLst>
       <p:ext uri="{BB962C8B-B14F-4D97-AF65-F5344CB8AC3E}">
-        <p14:creationId xmlns:p14="http://schemas.microsoft.com/office/powerpoint/2010/main" val="3094484690"/>
+        <p14:creationId xmlns:p14="http://schemas.microsoft.com/office/powerpoint/2010/main" val="3068684819"/>
       </p:ext>
     </p:extLst>
   </p:cSld>
@@ -5729,6 +5836,11 @@
           <a:bodyPr/>
           <a:lstStyle/>
           <a:p>
+            <a:pPr algn="ctr"/>
+            <a:r>
+              <a:rPr lang="en-US" dirty="0" smtClean="0"/>
+              <a:t>Maximum Likelihood Estimation</a:t>
+            </a:r>
             <a:endParaRPr lang="en-US" dirty="0"/>
           </a:p>
         </p:txBody>
@@ -5757,21 +5869,21 @@
         </p:blipFill>
         <p:spPr>
           <a:xfrm>
-            <a:off x="628650" y="2161689"/>
-            <a:ext cx="5651378" cy="1815399"/>
+            <a:off x="1333155" y="3737996"/>
+            <a:ext cx="4193433" cy="1970035"/>
           </a:xfrm>
         </p:spPr>
       </p:pic>
       <p:pic>
         <p:nvPicPr>
-          <p:cNvPr id="6" name="Picture 5" descr="Screen Clipping"/>
+          <p:cNvPr id="5" name="Picture 4" descr="Screen Clipping"/>
           <p:cNvPicPr>
             <a:picLocks noChangeAspect="1"/>
           </p:cNvPicPr>
           <p:nvPr/>
         </p:nvPicPr>
         <p:blipFill>
-          <a:blip r:embed="rId3" cstate="print">
+          <a:blip r:embed="rId3">
             <a:extLst>
               <a:ext uri="{28A0092B-C50C-407E-A947-70E740481C1C}">
                 <a14:useLocalDpi xmlns:a14="http://schemas.microsoft.com/office/drawing/2010/main" val="0"/>
@@ -5784,48 +5896,84 @@
         </p:blipFill>
         <p:spPr>
           <a:xfrm>
-            <a:off x="7144830" y="2161689"/>
-            <a:ext cx="1083502" cy="1494758"/>
+            <a:off x="424149" y="1690689"/>
+            <a:ext cx="8295701" cy="812508"/>
           </a:xfrm>
           <a:prstGeom prst="rect">
             <a:avLst/>
           </a:prstGeom>
         </p:spPr>
       </p:pic>
-      <p:pic>
-        <p:nvPicPr>
-          <p:cNvPr id="7" name="Picture 6" descr="Screen Clipping"/>
-          <p:cNvPicPr>
-            <a:picLocks noChangeAspect="1"/>
-          </p:cNvPicPr>
+      <p:sp>
+        <p:nvSpPr>
+          <p:cNvPr id="6" name="TextBox 5"/>
+          <p:cNvSpPr txBox="1"/>
           <p:nvPr/>
-        </p:nvPicPr>
-        <p:blipFill>
-          <a:blip r:embed="rId4">
-            <a:extLst>
-              <a:ext uri="{28A0092B-C50C-407E-A947-70E740481C1C}">
-                <a14:useLocalDpi xmlns:a14="http://schemas.microsoft.com/office/drawing/2010/main" val="0"/>
-              </a:ext>
-            </a:extLst>
-          </a:blip>
-          <a:stretch>
-            <a:fillRect/>
-          </a:stretch>
-        </p:blipFill>
-        <p:spPr>
-          <a:xfrm>
-            <a:off x="113040" y="5229476"/>
-            <a:ext cx="9030960" cy="1400370"/>
+        </p:nvSpPr>
+        <p:spPr>
+          <a:xfrm>
+            <a:off x="469416" y="2612765"/>
+            <a:ext cx="8008574" cy="1015663"/>
           </a:xfrm>
           <a:prstGeom prst="rect">
             <a:avLst/>
           </a:prstGeom>
-        </p:spPr>
-      </p:pic>
+          <a:noFill/>
+        </p:spPr>
+        <p:txBody>
+          <a:bodyPr wrap="square" rtlCol="0">
+            <a:spAutoFit/>
+          </a:bodyPr>
+          <a:lstStyle/>
+          <a:p>
+            <a:pPr marL="342900" indent="-342900">
+              <a:buFont typeface="Arial" panose="020B0604020202020204" pitchFamily="34" charset="0"/>
+              <a:buChar char="•"/>
+            </a:pPr>
+            <a:r>
+              <a:rPr lang="en-US" sz="2000" dirty="0" smtClean="0"/>
+              <a:t>No closed form solution exist</a:t>
+            </a:r>
+          </a:p>
+          <a:p>
+            <a:pPr marL="342900" indent="-342900">
+              <a:buFont typeface="Arial" panose="020B0604020202020204" pitchFamily="34" charset="0"/>
+              <a:buChar char="•"/>
+            </a:pPr>
+            <a:r>
+              <a:rPr lang="en-US" sz="2000" dirty="0" smtClean="0"/>
+              <a:t>Computed using fixed point iteration  </a:t>
+            </a:r>
+            <a:r>
+              <a:rPr lang="en-US" sz="2000" dirty="0" smtClean="0"/>
+              <a:t>(</a:t>
+            </a:r>
+            <a:r>
+              <a:rPr lang="en-US" sz="2000" dirty="0" err="1" smtClean="0"/>
+              <a:t>Minka</a:t>
+            </a:r>
+            <a:r>
+              <a:rPr lang="en-US" sz="2000" dirty="0" smtClean="0"/>
+              <a:t> 2012)</a:t>
+            </a:r>
+          </a:p>
+          <a:p>
+            <a:pPr marL="342900" indent="-342900">
+              <a:buFont typeface="Arial" panose="020B0604020202020204" pitchFamily="34" charset="0"/>
+              <a:buChar char="•"/>
+            </a:pPr>
+            <a:r>
+              <a:rPr lang="en-US" sz="2000" dirty="0" smtClean="0"/>
+              <a:t>The final form of iteration is simplified into this form </a:t>
+            </a:r>
+            <a:endParaRPr lang="en-US" sz="2000" dirty="0"/>
+          </a:p>
+        </p:txBody>
+      </p:sp>
     </p:spTree>
     <p:extLst>
       <p:ext uri="{BB962C8B-B14F-4D97-AF65-F5344CB8AC3E}">
-        <p14:creationId xmlns:p14="http://schemas.microsoft.com/office/powerpoint/2010/main" val="2476993360"/>
+        <p14:creationId xmlns:p14="http://schemas.microsoft.com/office/powerpoint/2010/main" val="716738049"/>
       </p:ext>
     </p:extLst>
   </p:cSld>
@@ -5877,7 +6025,7 @@
             <a:pPr algn="ctr"/>
             <a:r>
               <a:rPr lang="en-US" dirty="0" smtClean="0"/>
-              <a:t>Cramer Rao Lower Bound (CRLB)</a:t>
+              <a:t>Method of Moments (MOM)</a:t>
             </a:r>
             <a:endParaRPr lang="en-US" dirty="0"/>
           </a:p>
@@ -5885,11 +6033,13 @@
       </p:sp>
       <p:pic>
         <p:nvPicPr>
-          <p:cNvPr id="5" name="Picture 4" descr="Screen Clipping"/>
+          <p:cNvPr id="4" name="Content Placeholder 3" descr="Screen Clipping"/>
           <p:cNvPicPr>
-            <a:picLocks noChangeAspect="1"/>
+            <a:picLocks noGrp="1" noChangeAspect="1"/>
           </p:cNvPicPr>
-          <p:nvPr/>
+          <p:nvPr>
+            <p:ph idx="1"/>
+          </p:nvPr>
         </p:nvPicPr>
         <p:blipFill>
           <a:blip r:embed="rId2">
@@ -5905,23 +6055,18 @@
         </p:blipFill>
         <p:spPr>
           <a:xfrm>
-            <a:off x="2600371" y="2965389"/>
-            <a:ext cx="5914979" cy="725106"/>
-          </a:xfrm>
-          <a:prstGeom prst="rect">
-            <a:avLst/>
-          </a:prstGeom>
+            <a:off x="5926689" y="2054112"/>
+            <a:ext cx="1796135" cy="1830566"/>
+          </a:xfrm>
         </p:spPr>
       </p:pic>
       <p:pic>
         <p:nvPicPr>
-          <p:cNvPr id="7" name="Content Placeholder 6" descr="Screen Clipping"/>
+          <p:cNvPr id="5" name="Picture 4" descr="Screen Clipping"/>
           <p:cNvPicPr>
-            <a:picLocks noGrp="1" noChangeAspect="1"/>
+            <a:picLocks noChangeAspect="1"/>
           </p:cNvPicPr>
-          <p:nvPr>
-            <p:ph idx="1"/>
-          </p:nvPr>
+          <p:nvPr/>
         </p:nvPicPr>
         <p:blipFill>
           <a:blip r:embed="rId3">
@@ -5937,14 +6082,128 @@
         </p:blipFill>
         <p:spPr>
           <a:xfrm>
-            <a:off x="2569172" y="3690495"/>
-            <a:ext cx="3974849" cy="774824"/>
-          </a:xfrm>
+            <a:off x="724343" y="2054112"/>
+            <a:ext cx="3826313" cy="1757270"/>
+          </a:xfrm>
+          <a:prstGeom prst="rect">
+            <a:avLst/>
+          </a:prstGeom>
         </p:spPr>
       </p:pic>
+      <p:sp>
+        <p:nvSpPr>
+          <p:cNvPr id="6" name="TextBox 5"/>
+          <p:cNvSpPr txBox="1"/>
+          <p:nvPr/>
+        </p:nvSpPr>
+        <p:spPr>
+          <a:xfrm>
+            <a:off x="336476" y="1690689"/>
+            <a:ext cx="3783831" cy="369332"/>
+          </a:xfrm>
+          <a:prstGeom prst="rect">
+            <a:avLst/>
+          </a:prstGeom>
+          <a:noFill/>
+        </p:spPr>
+        <p:txBody>
+          <a:bodyPr wrap="square" rtlCol="0">
+            <a:spAutoFit/>
+          </a:bodyPr>
+          <a:lstStyle/>
+          <a:p>
+            <a:r>
+              <a:rPr lang="en-US" b="1" dirty="0" smtClean="0"/>
+              <a:t>Population moments (Beta-Binomial):</a:t>
+            </a:r>
+            <a:endParaRPr lang="en-US" b="1" dirty="0"/>
+          </a:p>
+        </p:txBody>
+      </p:sp>
+      <p:sp>
+        <p:nvSpPr>
+          <p:cNvPr id="7" name="TextBox 6"/>
+          <p:cNvSpPr txBox="1"/>
+          <p:nvPr/>
+        </p:nvSpPr>
+        <p:spPr>
+          <a:xfrm>
+            <a:off x="4990642" y="1684780"/>
+            <a:ext cx="3084722" cy="369332"/>
+          </a:xfrm>
+          <a:prstGeom prst="rect">
+            <a:avLst/>
+          </a:prstGeom>
+          <a:noFill/>
+        </p:spPr>
+        <p:txBody>
+          <a:bodyPr wrap="square" rtlCol="0">
+            <a:spAutoFit/>
+          </a:bodyPr>
+          <a:lstStyle/>
+          <a:p>
+            <a:r>
+              <a:rPr lang="en-US" b="1" dirty="0" smtClean="0"/>
+              <a:t>Sample moments from data:</a:t>
+            </a:r>
+            <a:endParaRPr lang="en-US" b="1" dirty="0"/>
+          </a:p>
+        </p:txBody>
+      </p:sp>
+      <p:sp>
+        <p:nvSpPr>
+          <p:cNvPr id="8" name="TextBox 7"/>
+          <p:cNvSpPr txBox="1"/>
+          <p:nvPr/>
+        </p:nvSpPr>
+        <p:spPr>
+          <a:xfrm>
+            <a:off x="416163" y="4751314"/>
+            <a:ext cx="3452452" cy="923330"/>
+          </a:xfrm>
+          <a:prstGeom prst="rect">
+            <a:avLst/>
+          </a:prstGeom>
+          <a:noFill/>
+        </p:spPr>
+        <p:txBody>
+          <a:bodyPr wrap="square" rtlCol="0">
+            <a:spAutoFit/>
+          </a:bodyPr>
+          <a:lstStyle/>
+          <a:p>
+            <a:pPr algn="just"/>
+            <a:r>
+              <a:rPr lang="en-US" b="1" dirty="0" smtClean="0"/>
+              <a:t>Equating population moments and sample moments and solving for the parameters </a:t>
+            </a:r>
+            <a:r>
+              <a:rPr lang="el-GR" b="1" dirty="0" smtClean="0"/>
+              <a:t>α</a:t>
+            </a:r>
+            <a:r>
+              <a:rPr lang="en-US" b="1" dirty="0" smtClean="0"/>
+              <a:t> and </a:t>
+            </a:r>
+            <a:r>
+              <a:rPr lang="el-GR" b="1" dirty="0" smtClean="0"/>
+              <a:t>β</a:t>
+            </a:r>
+            <a:r>
+              <a:rPr lang="en-US" b="1" dirty="0" smtClean="0"/>
+              <a:t>:</a:t>
+            </a:r>
+            <a:r>
+              <a:rPr lang="en-US" dirty="0" smtClean="0"/>
+              <a:t> </a:t>
+            </a:r>
+            <a:endParaRPr lang="en-US" dirty="0"/>
+          </a:p>
+        </p:txBody>
+      </p:sp>
       <p:pic>
         <p:nvPicPr>
-          <p:cNvPr id="8" name="Picture 7" descr="Screen Clipping"/>
+          <p:cNvPr id="9" name="Picture 8" descr="Screen Clipping"/>
           <p:cNvPicPr>
             <a:picLocks noChangeAspect="1"/>
           </p:cNvPicPr>
@@ -5964,8 +6223,8 @@
         </p:blipFill>
         <p:spPr>
           <a:xfrm>
-            <a:off x="2569172" y="4449668"/>
-            <a:ext cx="5987218" cy="732299"/>
+            <a:off x="3868615" y="4225613"/>
+            <a:ext cx="4724543" cy="1034800"/>
           </a:xfrm>
           <a:prstGeom prst="rect">
             <a:avLst/>
@@ -5974,7 +6233,7 @@
       </p:pic>
       <p:pic>
         <p:nvPicPr>
-          <p:cNvPr id="9" name="Picture 8" descr="Screen Clipping"/>
+          <p:cNvPr id="10" name="Picture 9" descr="Screen Clipping"/>
           <p:cNvPicPr>
             <a:picLocks noChangeAspect="1"/>
           </p:cNvPicPr>
@@ -5994,169 +6253,18 @@
         </p:blipFill>
         <p:spPr>
           <a:xfrm>
-            <a:off x="2569172" y="5365880"/>
-            <a:ext cx="4221704" cy="1200588"/>
+            <a:off x="3992279" y="5295853"/>
+            <a:ext cx="4523071" cy="1050453"/>
           </a:xfrm>
           <a:prstGeom prst="rect">
             <a:avLst/>
           </a:prstGeom>
         </p:spPr>
       </p:pic>
-      <p:sp>
-        <p:nvSpPr>
-          <p:cNvPr id="10" name="TextBox 9"/>
-          <p:cNvSpPr txBox="1"/>
-          <p:nvPr/>
-        </p:nvSpPr>
-        <p:spPr>
-          <a:xfrm>
-            <a:off x="1201527" y="3143276"/>
-            <a:ext cx="3050984" cy="523220"/>
-          </a:xfrm>
-          <a:prstGeom prst="rect">
-            <a:avLst/>
-          </a:prstGeom>
-          <a:noFill/>
-        </p:spPr>
-        <p:txBody>
-          <a:bodyPr wrap="square" rtlCol="0">
-            <a:spAutoFit/>
-          </a:bodyPr>
-          <a:lstStyle/>
-          <a:p>
-            <a:r>
-              <a:rPr lang="en-US" sz="2800" dirty="0" smtClean="0"/>
-              <a:t>FIM</a:t>
-            </a:r>
-            <a:r>
-              <a:rPr lang="en-US" sz="2800" baseline="-25000" dirty="0" smtClean="0"/>
-              <a:t>11</a:t>
-            </a:r>
-            <a:r>
-              <a:rPr lang="en-US" sz="2800" dirty="0" smtClean="0"/>
-              <a:t> =</a:t>
-            </a:r>
-            <a:endParaRPr lang="en-US" dirty="0"/>
-          </a:p>
-        </p:txBody>
-      </p:sp>
-      <p:pic>
-        <p:nvPicPr>
-          <p:cNvPr id="11" name="Picture 10" descr="Screen Clipping"/>
-          <p:cNvPicPr>
-            <a:picLocks noChangeAspect="1"/>
-          </p:cNvPicPr>
-          <p:nvPr/>
-        </p:nvPicPr>
-        <p:blipFill>
-          <a:blip r:embed="rId6" cstate="print">
-            <a:extLst>
-              <a:ext uri="{28A0092B-C50C-407E-A947-70E740481C1C}">
-                <a14:useLocalDpi xmlns:a14="http://schemas.microsoft.com/office/drawing/2010/main" val="0"/>
-              </a:ext>
-            </a:extLst>
-          </a:blip>
-          <a:stretch>
-            <a:fillRect/>
-          </a:stretch>
-        </p:blipFill>
-        <p:spPr>
-          <a:xfrm>
-            <a:off x="2426979" y="1935605"/>
-            <a:ext cx="4117042" cy="995717"/>
-          </a:xfrm>
-          <a:prstGeom prst="rect">
-            <a:avLst/>
-          </a:prstGeom>
-        </p:spPr>
-      </p:pic>
-      <p:sp>
-        <p:nvSpPr>
-          <p:cNvPr id="12" name="Rectangle 11"/>
-          <p:cNvSpPr/>
-          <p:nvPr/>
-        </p:nvSpPr>
-        <p:spPr>
-          <a:xfrm>
-            <a:off x="198305" y="3847074"/>
-            <a:ext cx="2402066" cy="523220"/>
-          </a:xfrm>
-          <a:prstGeom prst="rect">
-            <a:avLst/>
-          </a:prstGeom>
-        </p:spPr>
-        <p:txBody>
-          <a:bodyPr wrap="square">
-            <a:spAutoFit/>
-          </a:bodyPr>
-          <a:lstStyle/>
-          <a:p>
-            <a:r>
-              <a:rPr lang="en-US" sz="2800" dirty="0" smtClean="0"/>
-              <a:t>FIM</a:t>
-            </a:r>
-            <a:r>
-              <a:rPr lang="en-US" sz="2800" baseline="-25000" dirty="0" smtClean="0"/>
-              <a:t>12</a:t>
-            </a:r>
-            <a:r>
-              <a:rPr lang="en-US" sz="2800" dirty="0" smtClean="0"/>
-              <a:t> = FIM</a:t>
-            </a:r>
-            <a:r>
-              <a:rPr lang="en-US" sz="2800" baseline="-25000" dirty="0" smtClean="0"/>
-              <a:t>21</a:t>
-            </a:r>
-            <a:r>
-              <a:rPr lang="en-US" sz="2800" dirty="0" smtClean="0"/>
-              <a:t> =</a:t>
-            </a:r>
-            <a:endParaRPr lang="en-US" sz="2800" dirty="0"/>
-          </a:p>
-        </p:txBody>
-      </p:sp>
-      <p:sp>
-        <p:nvSpPr>
-          <p:cNvPr id="13" name="TextBox 12"/>
-          <p:cNvSpPr txBox="1"/>
-          <p:nvPr/>
-        </p:nvSpPr>
-        <p:spPr>
-          <a:xfrm>
-            <a:off x="1201527" y="4554207"/>
-            <a:ext cx="3050984" cy="523220"/>
-          </a:xfrm>
-          <a:prstGeom prst="rect">
-            <a:avLst/>
-          </a:prstGeom>
-          <a:noFill/>
-        </p:spPr>
-        <p:txBody>
-          <a:bodyPr wrap="square" rtlCol="0">
-            <a:spAutoFit/>
-          </a:bodyPr>
-          <a:lstStyle/>
-          <a:p>
-            <a:r>
-              <a:rPr lang="en-US" sz="2800" dirty="0" smtClean="0"/>
-              <a:t>FIM</a:t>
-            </a:r>
-            <a:r>
-              <a:rPr lang="en-US" sz="2800" baseline="-25000" dirty="0" smtClean="0"/>
-              <a:t>22</a:t>
-            </a:r>
-            <a:r>
-              <a:rPr lang="en-US" sz="2800" dirty="0" smtClean="0"/>
-              <a:t> =</a:t>
-            </a:r>
-            <a:endParaRPr lang="en-US" dirty="0"/>
-          </a:p>
-        </p:txBody>
-      </p:sp>
     </p:spTree>
     <p:extLst>
       <p:ext uri="{BB962C8B-B14F-4D97-AF65-F5344CB8AC3E}">
-        <p14:creationId xmlns:p14="http://schemas.microsoft.com/office/powerpoint/2010/main" val="3068684819"/>
+        <p14:creationId xmlns:p14="http://schemas.microsoft.com/office/powerpoint/2010/main" val="463413360"/>
       </p:ext>
     </p:extLst>
   </p:cSld>
